--- a/Thủy Tiên - 0912463/Seminar/Topic #8b - Section 8 & 9 v3.pptx
+++ b/Thủy Tiên - 0912463/Seminar/Topic #8b - Section 8 & 9 v3.pptx
@@ -4770,7 +4770,7 @@
             <a:fld id="{05A1084F-7AB2-425A-B7C3-A8734C630B61}" type="datetimeFigureOut">
               <a:rPr lang="en-US" smtClean="0"/>
               <a:pPr/>
-              <a:t>12/14/2011</a:t>
+              <a:t>12/15/2011</a:t>
             </a:fld>
             <a:endParaRPr lang="en-US"/>
           </a:p>
@@ -6562,7 +6562,7 @@
             <a:fld id="{FBFE3745-A615-4932-BB55-F3CCCCF66844}" type="datetimeFigureOut">
               <a:rPr lang="en-US" smtClean="0"/>
               <a:pPr/>
-              <a:t>12/14/2011</a:t>
+              <a:t>12/15/2011</a:t>
             </a:fld>
             <a:endParaRPr lang="en-US"/>
           </a:p>
@@ -6730,7 +6730,7 @@
             <a:fld id="{FBFE3745-A615-4932-BB55-F3CCCCF66844}" type="datetimeFigureOut">
               <a:rPr lang="en-US" smtClean="0"/>
               <a:pPr/>
-              <a:t>12/14/2011</a:t>
+              <a:t>12/15/2011</a:t>
             </a:fld>
             <a:endParaRPr lang="en-US"/>
           </a:p>
@@ -6908,7 +6908,7 @@
             <a:fld id="{FBFE3745-A615-4932-BB55-F3CCCCF66844}" type="datetimeFigureOut">
               <a:rPr lang="en-US" smtClean="0"/>
               <a:pPr/>
-              <a:t>12/14/2011</a:t>
+              <a:t>12/15/2011</a:t>
             </a:fld>
             <a:endParaRPr lang="en-US"/>
           </a:p>
@@ -7076,7 +7076,7 @@
             <a:fld id="{FBFE3745-A615-4932-BB55-F3CCCCF66844}" type="datetimeFigureOut">
               <a:rPr lang="en-US" smtClean="0"/>
               <a:pPr/>
-              <a:t>12/14/2011</a:t>
+              <a:t>12/15/2011</a:t>
             </a:fld>
             <a:endParaRPr lang="en-US"/>
           </a:p>
@@ -7320,7 +7320,7 @@
             <a:fld id="{FBFE3745-A615-4932-BB55-F3CCCCF66844}" type="datetimeFigureOut">
               <a:rPr lang="en-US" smtClean="0"/>
               <a:pPr/>
-              <a:t>12/14/2011</a:t>
+              <a:t>12/15/2011</a:t>
             </a:fld>
             <a:endParaRPr lang="en-US"/>
           </a:p>
@@ -7606,7 +7606,7 @@
             <a:fld id="{FBFE3745-A615-4932-BB55-F3CCCCF66844}" type="datetimeFigureOut">
               <a:rPr lang="en-US" smtClean="0"/>
               <a:pPr/>
-              <a:t>12/14/2011</a:t>
+              <a:t>12/15/2011</a:t>
             </a:fld>
             <a:endParaRPr lang="en-US"/>
           </a:p>
@@ -8026,7 +8026,7 @@
             <a:fld id="{FBFE3745-A615-4932-BB55-F3CCCCF66844}" type="datetimeFigureOut">
               <a:rPr lang="en-US" smtClean="0"/>
               <a:pPr/>
-              <a:t>12/14/2011</a:t>
+              <a:t>12/15/2011</a:t>
             </a:fld>
             <a:endParaRPr lang="en-US"/>
           </a:p>
@@ -8142,7 +8142,7 @@
             <a:fld id="{FBFE3745-A615-4932-BB55-F3CCCCF66844}" type="datetimeFigureOut">
               <a:rPr lang="en-US" smtClean="0"/>
               <a:pPr/>
-              <a:t>12/14/2011</a:t>
+              <a:t>12/15/2011</a:t>
             </a:fld>
             <a:endParaRPr lang="en-US"/>
           </a:p>
@@ -8235,7 +8235,7 @@
             <a:fld id="{FBFE3745-A615-4932-BB55-F3CCCCF66844}" type="datetimeFigureOut">
               <a:rPr lang="en-US" smtClean="0"/>
               <a:pPr/>
-              <a:t>12/14/2011</a:t>
+              <a:t>12/15/2011</a:t>
             </a:fld>
             <a:endParaRPr lang="en-US"/>
           </a:p>
@@ -8510,7 +8510,7 @@
             <a:fld id="{FBFE3745-A615-4932-BB55-F3CCCCF66844}" type="datetimeFigureOut">
               <a:rPr lang="en-US" smtClean="0"/>
               <a:pPr/>
-              <a:t>12/14/2011</a:t>
+              <a:t>12/15/2011</a:t>
             </a:fld>
             <a:endParaRPr lang="en-US"/>
           </a:p>
@@ -8761,7 +8761,7 @@
             <a:fld id="{FBFE3745-A615-4932-BB55-F3CCCCF66844}" type="datetimeFigureOut">
               <a:rPr lang="en-US" smtClean="0"/>
               <a:pPr/>
-              <a:t>12/14/2011</a:t>
+              <a:t>12/15/2011</a:t>
             </a:fld>
             <a:endParaRPr lang="en-US"/>
           </a:p>
@@ -8972,7 +8972,7 @@
             <a:fld id="{FBFE3745-A615-4932-BB55-F3CCCCF66844}" type="datetimeFigureOut">
               <a:rPr lang="en-US" smtClean="0"/>
               <a:pPr/>
-              <a:t>12/14/2011</a:t>
+              <a:t>12/15/2011</a:t>
             </a:fld>
             <a:endParaRPr lang="en-US"/>
           </a:p>
@@ -9370,7 +9370,7 @@
             <a:blip r:embed="rId2" cstate="print">
               <a:extLst>
                 <a:ext uri="{28A0092B-C50C-407E-A947-70E740481C1C}">
-                  <a14:useLocalDpi xmlns="" xmlns:a14="http://schemas.microsoft.com/office/drawing/2010/main" val="0"/>
+                  <a14:useLocalDpi xmlns:a14="http://schemas.microsoft.com/office/drawing/2010/main" xmlns="" val="0"/>
                 </a:ext>
               </a:extLst>
             </a:blip>
@@ -9456,7 +9456,7 @@
             <a:blip r:embed="rId3" cstate="print">
               <a:extLst>
                 <a:ext uri="{28A0092B-C50C-407E-A947-70E740481C1C}">
-                  <a14:useLocalDpi xmlns="" xmlns:a14="http://schemas.microsoft.com/office/drawing/2010/main" val="0"/>
+                  <a14:useLocalDpi xmlns:a14="http://schemas.microsoft.com/office/drawing/2010/main" xmlns="" val="0"/>
                 </a:ext>
               </a:extLst>
             </a:blip>
@@ -9541,7 +9541,7 @@
             <a:blip r:embed="rId4" cstate="print">
               <a:extLst>
                 <a:ext uri="{28A0092B-C50C-407E-A947-70E740481C1C}">
-                  <a14:useLocalDpi xmlns="" xmlns:a14="http://schemas.microsoft.com/office/drawing/2010/main" val="0"/>
+                  <a14:useLocalDpi xmlns:a14="http://schemas.microsoft.com/office/drawing/2010/main" xmlns="" val="0"/>
                 </a:ext>
               </a:extLst>
             </a:blip>
@@ -9626,7 +9626,7 @@
             <a:blip r:embed="rId5" cstate="print">
               <a:extLst>
                 <a:ext uri="{28A0092B-C50C-407E-A947-70E740481C1C}">
-                  <a14:useLocalDpi xmlns="" xmlns:a14="http://schemas.microsoft.com/office/drawing/2010/main" val="0"/>
+                  <a14:useLocalDpi xmlns:a14="http://schemas.microsoft.com/office/drawing/2010/main" xmlns="" val="0"/>
                 </a:ext>
               </a:extLst>
             </a:blip>
@@ -9711,7 +9711,7 @@
             <a:blip r:embed="rId6" cstate="print">
               <a:extLst>
                 <a:ext uri="{28A0092B-C50C-407E-A947-70E740481C1C}">
-                  <a14:useLocalDpi xmlns="" xmlns:a14="http://schemas.microsoft.com/office/drawing/2010/main" val="0"/>
+                  <a14:useLocalDpi xmlns:a14="http://schemas.microsoft.com/office/drawing/2010/main" xmlns="" val="0"/>
                 </a:ext>
               </a:extLst>
             </a:blip>
@@ -9797,7 +9797,7 @@
             <a:blip r:embed="rId7" cstate="print">
               <a:extLst>
                 <a:ext uri="{28A0092B-C50C-407E-A947-70E740481C1C}">
-                  <a14:useLocalDpi xmlns="" xmlns:a14="http://schemas.microsoft.com/office/drawing/2010/main" val="0"/>
+                  <a14:useLocalDpi xmlns:a14="http://schemas.microsoft.com/office/drawing/2010/main" xmlns="" val="0"/>
                 </a:ext>
               </a:extLst>
             </a:blip>
@@ -9882,7 +9882,7 @@
             <a:blip r:embed="rId8" cstate="print">
               <a:extLst>
                 <a:ext uri="{28A0092B-C50C-407E-A947-70E740481C1C}">
-                  <a14:useLocalDpi xmlns="" xmlns:a14="http://schemas.microsoft.com/office/drawing/2010/main" val="0"/>
+                  <a14:useLocalDpi xmlns:a14="http://schemas.microsoft.com/office/drawing/2010/main" xmlns="" val="0"/>
                 </a:ext>
               </a:extLst>
             </a:blip>
@@ -9968,7 +9968,7 @@
             <a:blip r:embed="rId9" cstate="print">
               <a:extLst>
                 <a:ext uri="{28A0092B-C50C-407E-A947-70E740481C1C}">
-                  <a14:useLocalDpi xmlns="" xmlns:a14="http://schemas.microsoft.com/office/drawing/2010/main" val="0"/>
+                  <a14:useLocalDpi xmlns:a14="http://schemas.microsoft.com/office/drawing/2010/main" xmlns="" val="0"/>
                 </a:ext>
               </a:extLst>
             </a:blip>
@@ -10054,7 +10054,7 @@
             <a:blip r:embed="rId10" cstate="print">
               <a:extLst>
                 <a:ext uri="{28A0092B-C50C-407E-A947-70E740481C1C}">
-                  <a14:useLocalDpi xmlns="" xmlns:a14="http://schemas.microsoft.com/office/drawing/2010/main" val="0"/>
+                  <a14:useLocalDpi xmlns:a14="http://schemas.microsoft.com/office/drawing/2010/main" xmlns="" val="0"/>
                 </a:ext>
               </a:extLst>
             </a:blip>
@@ -10650,14 +10650,14 @@
           <a:effectLst/>
           <a:extLst>
             <a:ext uri="{909E8E84-426E-40DD-AFC4-6F175D3DCCD1}">
-              <a14:hiddenFill xmlns:a14="http://schemas.microsoft.com/office/drawing/2010/main" xmlns="">
+              <a14:hiddenFill xmlns="" xmlns:a14="http://schemas.microsoft.com/office/drawing/2010/main">
                 <a:solidFill>
                   <a:srgbClr val="6FC5E3"/>
                 </a:solidFill>
               </a14:hiddenFill>
             </a:ext>
             <a:ext uri="{AF507438-7753-43E0-B8FC-AC1667EBCBE1}">
-              <a14:hiddenEffects xmlns:a14="http://schemas.microsoft.com/office/drawing/2010/main" xmlns="">
+              <a14:hiddenEffects xmlns="" xmlns:a14="http://schemas.microsoft.com/office/drawing/2010/main">
                 <a:effectLst>
                   <a:outerShdw dist="35921" dir="2700000" algn="ctr" rotWithShape="0">
                     <a:schemeClr val="bg2"/>
@@ -10714,7 +10714,7 @@
           <a:effectLst/>
           <a:extLst>
             <a:ext uri="{91240B29-F687-4F45-9708-019B960494DF}">
-              <a14:hiddenLine xmlns:a14="http://schemas.microsoft.com/office/drawing/2010/main" xmlns="" w="9525">
+              <a14:hiddenLine xmlns="" xmlns:a14="http://schemas.microsoft.com/office/drawing/2010/main" w="9525">
                 <a:solidFill>
                   <a:schemeClr val="tx1"/>
                 </a:solidFill>
@@ -10724,7 +10724,7 @@
               </a14:hiddenLine>
             </a:ext>
             <a:ext uri="{AF507438-7753-43E0-B8FC-AC1667EBCBE1}">
-              <a14:hiddenEffects xmlns:a14="http://schemas.microsoft.com/office/drawing/2010/main" xmlns="">
+              <a14:hiddenEffects xmlns="" xmlns:a14="http://schemas.microsoft.com/office/drawing/2010/main">
                 <a:effectLst>
                   <a:outerShdw dist="35921" dir="2700000" algn="ctr" rotWithShape="0">
                     <a:schemeClr val="bg2"/>
@@ -10769,7 +10769,7 @@
           <a:effectLst/>
           <a:extLst>
             <a:ext uri="{91240B29-F687-4F45-9708-019B960494DF}">
-              <a14:hiddenLine xmlns:a14="http://schemas.microsoft.com/office/drawing/2010/main" xmlns="" w="9525">
+              <a14:hiddenLine xmlns="" xmlns:a14="http://schemas.microsoft.com/office/drawing/2010/main" w="9525">
                 <a:solidFill>
                   <a:srgbClr val="000000"/>
                 </a:solidFill>
@@ -10779,7 +10779,7 @@
               </a14:hiddenLine>
             </a:ext>
             <a:ext uri="{AF507438-7753-43E0-B8FC-AC1667EBCBE1}">
-              <a14:hiddenEffects xmlns:a14="http://schemas.microsoft.com/office/drawing/2010/main" xmlns="">
+              <a14:hiddenEffects xmlns="" xmlns:a14="http://schemas.microsoft.com/office/drawing/2010/main">
                 <a:effectLst>
                   <a:outerShdw dist="35921" dir="2700000" algn="ctr" rotWithShape="0">
                     <a:schemeClr val="bg2"/>
@@ -10824,7 +10824,7 @@
           <a:effectLst/>
           <a:extLst>
             <a:ext uri="{91240B29-F687-4F45-9708-019B960494DF}">
-              <a14:hiddenLine xmlns:a14="http://schemas.microsoft.com/office/drawing/2010/main" xmlns="" w="9525">
+              <a14:hiddenLine xmlns="" xmlns:a14="http://schemas.microsoft.com/office/drawing/2010/main" w="9525">
                 <a:solidFill>
                   <a:srgbClr val="000000"/>
                 </a:solidFill>
@@ -10834,7 +10834,7 @@
               </a14:hiddenLine>
             </a:ext>
             <a:ext uri="{AF507438-7753-43E0-B8FC-AC1667EBCBE1}">
-              <a14:hiddenEffects xmlns:a14="http://schemas.microsoft.com/office/drawing/2010/main" xmlns="">
+              <a14:hiddenEffects xmlns="" xmlns:a14="http://schemas.microsoft.com/office/drawing/2010/main">
                 <a:effectLst>
                   <a:outerShdw dist="35921" dir="2700000" algn="ctr" rotWithShape="0">
                     <a:schemeClr val="bg2"/>
@@ -10875,14 +10875,14 @@
           <a:effectLst/>
           <a:extLst>
             <a:ext uri="{909E8E84-426E-40DD-AFC4-6F175D3DCCD1}">
-              <a14:hiddenFill xmlns:a14="http://schemas.microsoft.com/office/drawing/2010/main" xmlns="">
+              <a14:hiddenFill xmlns="" xmlns:a14="http://schemas.microsoft.com/office/drawing/2010/main">
                 <a:solidFill>
                   <a:schemeClr val="accent1"/>
                 </a:solidFill>
               </a14:hiddenFill>
             </a:ext>
             <a:ext uri="{91240B29-F687-4F45-9708-019B960494DF}">
-              <a14:hiddenLine xmlns:a14="http://schemas.microsoft.com/office/drawing/2010/main" xmlns="" w="9525" algn="ctr">
+              <a14:hiddenLine xmlns="" xmlns:a14="http://schemas.microsoft.com/office/drawing/2010/main" w="9525" algn="ctr">
                 <a:solidFill>
                   <a:schemeClr val="tx1"/>
                 </a:solidFill>
@@ -10892,7 +10892,7 @@
               </a14:hiddenLine>
             </a:ext>
             <a:ext uri="{AF507438-7753-43E0-B8FC-AC1667EBCBE1}">
-              <a14:hiddenEffects xmlns:a14="http://schemas.microsoft.com/office/drawing/2010/main" xmlns="">
+              <a14:hiddenEffects xmlns="" xmlns:a14="http://schemas.microsoft.com/office/drawing/2010/main">
                 <a:effectLst>
                   <a:outerShdw dist="35921" dir="2700000" algn="ctr" rotWithShape="0">
                     <a:schemeClr val="bg2"/>
@@ -10915,16 +10915,7 @@
                 </a:solidFill>
                 <a:latin typeface="Myriad Pro" pitchFamily="34" charset="0"/>
               </a:rPr>
-              <a:t>Object </a:t>
-            </a:r>
-            <a:r>
-              <a:rPr lang="en-US" sz="1600" dirty="0" smtClean="0">
-                <a:solidFill>
-                  <a:srgbClr val="FFFFFF"/>
-                </a:solidFill>
-                <a:latin typeface="Myriad Pro" pitchFamily="34" charset="0"/>
-              </a:rPr>
-              <a:t>Model</a:t>
+              <a:t>Object Model</a:t>
             </a:r>
             <a:endParaRPr lang="en-US" sz="1600" dirty="0">
               <a:solidFill>
@@ -10958,14 +10949,14 @@
           <a:effectLst/>
           <a:extLst>
             <a:ext uri="{909E8E84-426E-40DD-AFC4-6F175D3DCCD1}">
-              <a14:hiddenFill xmlns:a14="http://schemas.microsoft.com/office/drawing/2010/main" xmlns="">
+              <a14:hiddenFill xmlns="" xmlns:a14="http://schemas.microsoft.com/office/drawing/2010/main">
                 <a:solidFill>
                   <a:schemeClr val="accent1"/>
                 </a:solidFill>
               </a14:hiddenFill>
             </a:ext>
             <a:ext uri="{91240B29-F687-4F45-9708-019B960494DF}">
-              <a14:hiddenLine xmlns:a14="http://schemas.microsoft.com/office/drawing/2010/main" xmlns="" w="9525" algn="ctr">
+              <a14:hiddenLine xmlns="" xmlns:a14="http://schemas.microsoft.com/office/drawing/2010/main" w="9525" algn="ctr">
                 <a:solidFill>
                   <a:schemeClr val="tx1"/>
                 </a:solidFill>
@@ -10975,7 +10966,7 @@
               </a14:hiddenLine>
             </a:ext>
             <a:ext uri="{AF507438-7753-43E0-B8FC-AC1667EBCBE1}">
-              <a14:hiddenEffects xmlns:a14="http://schemas.microsoft.com/office/drawing/2010/main" xmlns="">
+              <a14:hiddenEffects xmlns="" xmlns:a14="http://schemas.microsoft.com/office/drawing/2010/main">
                 <a:effectLst>
                   <a:outerShdw dist="35921" dir="2700000" algn="ctr" rotWithShape="0">
                     <a:schemeClr val="bg2"/>
@@ -11040,14 +11031,14 @@
           <a:effectLst/>
           <a:extLst>
             <a:ext uri="{909E8E84-426E-40DD-AFC4-6F175D3DCCD1}">
-              <a14:hiddenFill xmlns:a14="http://schemas.microsoft.com/office/drawing/2010/main" xmlns="">
+              <a14:hiddenFill xmlns="" xmlns:a14="http://schemas.microsoft.com/office/drawing/2010/main">
                 <a:solidFill>
                   <a:srgbClr val="6FC5E3"/>
                 </a:solidFill>
               </a14:hiddenFill>
             </a:ext>
             <a:ext uri="{AF507438-7753-43E0-B8FC-AC1667EBCBE1}">
-              <a14:hiddenEffects xmlns:a14="http://schemas.microsoft.com/office/drawing/2010/main" xmlns="">
+              <a14:hiddenEffects xmlns="" xmlns:a14="http://schemas.microsoft.com/office/drawing/2010/main">
                 <a:effectLst>
                   <a:outerShdw dist="35921" dir="2700000" algn="ctr" rotWithShape="0">
                     <a:schemeClr val="bg2"/>
@@ -11104,7 +11095,7 @@
           <a:effectLst/>
           <a:extLst>
             <a:ext uri="{91240B29-F687-4F45-9708-019B960494DF}">
-              <a14:hiddenLine xmlns:a14="http://schemas.microsoft.com/office/drawing/2010/main" xmlns="" w="9525">
+              <a14:hiddenLine xmlns="" xmlns:a14="http://schemas.microsoft.com/office/drawing/2010/main" w="9525">
                 <a:solidFill>
                   <a:schemeClr val="tx1"/>
                 </a:solidFill>
@@ -11114,7 +11105,7 @@
               </a14:hiddenLine>
             </a:ext>
             <a:ext uri="{AF507438-7753-43E0-B8FC-AC1667EBCBE1}">
-              <a14:hiddenEffects xmlns:a14="http://schemas.microsoft.com/office/drawing/2010/main" xmlns="">
+              <a14:hiddenEffects xmlns="" xmlns:a14="http://schemas.microsoft.com/office/drawing/2010/main">
                 <a:effectLst>
                   <a:outerShdw dist="35921" dir="2700000" algn="ctr" rotWithShape="0">
                     <a:schemeClr val="bg2"/>
@@ -11159,7 +11150,7 @@
           <a:effectLst/>
           <a:extLst>
             <a:ext uri="{91240B29-F687-4F45-9708-019B960494DF}">
-              <a14:hiddenLine xmlns:a14="http://schemas.microsoft.com/office/drawing/2010/main" xmlns="" w="9525">
+              <a14:hiddenLine xmlns="" xmlns:a14="http://schemas.microsoft.com/office/drawing/2010/main" w="9525">
                 <a:solidFill>
                   <a:srgbClr val="000000"/>
                 </a:solidFill>
@@ -11169,7 +11160,7 @@
               </a14:hiddenLine>
             </a:ext>
             <a:ext uri="{AF507438-7753-43E0-B8FC-AC1667EBCBE1}">
-              <a14:hiddenEffects xmlns:a14="http://schemas.microsoft.com/office/drawing/2010/main" xmlns="">
+              <a14:hiddenEffects xmlns="" xmlns:a14="http://schemas.microsoft.com/office/drawing/2010/main">
                 <a:effectLst>
                   <a:outerShdw dist="35921" dir="2700000" algn="ctr" rotWithShape="0">
                     <a:schemeClr val="bg2"/>
@@ -11214,7 +11205,7 @@
           <a:effectLst/>
           <a:extLst>
             <a:ext uri="{91240B29-F687-4F45-9708-019B960494DF}">
-              <a14:hiddenLine xmlns:a14="http://schemas.microsoft.com/office/drawing/2010/main" xmlns="" w="9525">
+              <a14:hiddenLine xmlns="" xmlns:a14="http://schemas.microsoft.com/office/drawing/2010/main" w="9525">
                 <a:solidFill>
                   <a:srgbClr val="000000"/>
                 </a:solidFill>
@@ -11224,7 +11215,7 @@
               </a14:hiddenLine>
             </a:ext>
             <a:ext uri="{AF507438-7753-43E0-B8FC-AC1667EBCBE1}">
-              <a14:hiddenEffects xmlns:a14="http://schemas.microsoft.com/office/drawing/2010/main" xmlns="">
+              <a14:hiddenEffects xmlns="" xmlns:a14="http://schemas.microsoft.com/office/drawing/2010/main">
                 <a:effectLst>
                   <a:outerShdw dist="35921" dir="2700000" algn="ctr" rotWithShape="0">
                     <a:schemeClr val="bg2"/>
@@ -11265,14 +11256,14 @@
           <a:effectLst/>
           <a:extLst>
             <a:ext uri="{909E8E84-426E-40DD-AFC4-6F175D3DCCD1}">
-              <a14:hiddenFill xmlns:a14="http://schemas.microsoft.com/office/drawing/2010/main" xmlns="">
+              <a14:hiddenFill xmlns="" xmlns:a14="http://schemas.microsoft.com/office/drawing/2010/main">
                 <a:solidFill>
                   <a:schemeClr val="accent1"/>
                 </a:solidFill>
               </a14:hiddenFill>
             </a:ext>
             <a:ext uri="{91240B29-F687-4F45-9708-019B960494DF}">
-              <a14:hiddenLine xmlns:a14="http://schemas.microsoft.com/office/drawing/2010/main" xmlns="" w="9525" algn="ctr">
+              <a14:hiddenLine xmlns="" xmlns:a14="http://schemas.microsoft.com/office/drawing/2010/main" w="9525" algn="ctr">
                 <a:solidFill>
                   <a:schemeClr val="tx1"/>
                 </a:solidFill>
@@ -11282,7 +11273,7 @@
               </a14:hiddenLine>
             </a:ext>
             <a:ext uri="{AF507438-7753-43E0-B8FC-AC1667EBCBE1}">
-              <a14:hiddenEffects xmlns:a14="http://schemas.microsoft.com/office/drawing/2010/main" xmlns="">
+              <a14:hiddenEffects xmlns="" xmlns:a14="http://schemas.microsoft.com/office/drawing/2010/main">
                 <a:effectLst>
                   <a:outerShdw dist="35921" dir="2700000" algn="ctr" rotWithShape="0">
                     <a:schemeClr val="bg2"/>
@@ -11339,14 +11330,14 @@
           <a:effectLst/>
           <a:extLst>
             <a:ext uri="{909E8E84-426E-40DD-AFC4-6F175D3DCCD1}">
-              <a14:hiddenFill xmlns:a14="http://schemas.microsoft.com/office/drawing/2010/main" xmlns="">
+              <a14:hiddenFill xmlns="" xmlns:a14="http://schemas.microsoft.com/office/drawing/2010/main">
                 <a:solidFill>
                   <a:schemeClr val="accent1"/>
                 </a:solidFill>
               </a14:hiddenFill>
             </a:ext>
             <a:ext uri="{91240B29-F687-4F45-9708-019B960494DF}">
-              <a14:hiddenLine xmlns:a14="http://schemas.microsoft.com/office/drawing/2010/main" xmlns="" w="9525" algn="ctr">
+              <a14:hiddenLine xmlns="" xmlns:a14="http://schemas.microsoft.com/office/drawing/2010/main" w="9525" algn="ctr">
                 <a:solidFill>
                   <a:schemeClr val="tx1"/>
                 </a:solidFill>
@@ -11356,7 +11347,7 @@
               </a14:hiddenLine>
             </a:ext>
             <a:ext uri="{AF507438-7753-43E0-B8FC-AC1667EBCBE1}">
-              <a14:hiddenEffects xmlns:a14="http://schemas.microsoft.com/office/drawing/2010/main" xmlns="">
+              <a14:hiddenEffects xmlns="" xmlns:a14="http://schemas.microsoft.com/office/drawing/2010/main">
                 <a:effectLst>
                   <a:outerShdw dist="35921" dir="2700000" algn="ctr" rotWithShape="0">
                     <a:schemeClr val="bg2"/>
@@ -11444,14 +11435,14 @@
           <a:effectLst/>
           <a:extLst>
             <a:ext uri="{909E8E84-426E-40DD-AFC4-6F175D3DCCD1}">
-              <a14:hiddenFill xmlns:a14="http://schemas.microsoft.com/office/drawing/2010/main" xmlns="">
+              <a14:hiddenFill xmlns="" xmlns:a14="http://schemas.microsoft.com/office/drawing/2010/main">
                 <a:solidFill>
                   <a:schemeClr val="accent1"/>
                 </a:solidFill>
               </a14:hiddenFill>
             </a:ext>
             <a:ext uri="{91240B29-F687-4F45-9708-019B960494DF}">
-              <a14:hiddenLine xmlns:a14="http://schemas.microsoft.com/office/drawing/2010/main" xmlns="" w="9525" algn="ctr">
+              <a14:hiddenLine xmlns="" xmlns:a14="http://schemas.microsoft.com/office/drawing/2010/main" w="9525" algn="ctr">
                 <a:solidFill>
                   <a:schemeClr val="tx1"/>
                 </a:solidFill>
@@ -11461,7 +11452,7 @@
               </a14:hiddenLine>
             </a:ext>
             <a:ext uri="{AF507438-7753-43E0-B8FC-AC1667EBCBE1}">
-              <a14:hiddenEffects xmlns:a14="http://schemas.microsoft.com/office/drawing/2010/main" xmlns="">
+              <a14:hiddenEffects xmlns="" xmlns:a14="http://schemas.microsoft.com/office/drawing/2010/main">
                 <a:effectLst>
                   <a:outerShdw dist="35921" dir="2700000" algn="ctr" rotWithShape="0">
                     <a:schemeClr val="bg2"/>
@@ -11534,14 +11525,14 @@
           <a:effectLst/>
           <a:extLst>
             <a:ext uri="{909E8E84-426E-40DD-AFC4-6F175D3DCCD1}">
-              <a14:hiddenFill xmlns:a14="http://schemas.microsoft.com/office/drawing/2010/main" xmlns="">
+              <a14:hiddenFill xmlns="" xmlns:a14="http://schemas.microsoft.com/office/drawing/2010/main">
                 <a:solidFill>
                   <a:schemeClr val="accent1"/>
                 </a:solidFill>
               </a14:hiddenFill>
             </a:ext>
             <a:ext uri="{91240B29-F687-4F45-9708-019B960494DF}">
-              <a14:hiddenLine xmlns:a14="http://schemas.microsoft.com/office/drawing/2010/main" xmlns="" w="9525" algn="ctr">
+              <a14:hiddenLine xmlns="" xmlns:a14="http://schemas.microsoft.com/office/drawing/2010/main" w="9525" algn="ctr">
                 <a:solidFill>
                   <a:schemeClr val="tx1"/>
                 </a:solidFill>
@@ -11551,7 +11542,7 @@
               </a14:hiddenLine>
             </a:ext>
             <a:ext uri="{AF507438-7753-43E0-B8FC-AC1667EBCBE1}">
-              <a14:hiddenEffects xmlns:a14="http://schemas.microsoft.com/office/drawing/2010/main" xmlns="">
+              <a14:hiddenEffects xmlns="" xmlns:a14="http://schemas.microsoft.com/office/drawing/2010/main">
                 <a:effectLst>
                   <a:outerShdw dist="35921" dir="2700000" algn="ctr" rotWithShape="0">
                     <a:schemeClr val="bg2"/>
@@ -11609,14 +11600,14 @@
           <a:effectLst/>
           <a:extLst>
             <a:ext uri="{909E8E84-426E-40DD-AFC4-6F175D3DCCD1}">
-              <a14:hiddenFill xmlns:a14="http://schemas.microsoft.com/office/drawing/2010/main" xmlns="">
+              <a14:hiddenFill xmlns="" xmlns:a14="http://schemas.microsoft.com/office/drawing/2010/main">
                 <a:solidFill>
                   <a:schemeClr val="accent1"/>
                 </a:solidFill>
               </a14:hiddenFill>
             </a:ext>
             <a:ext uri="{91240B29-F687-4F45-9708-019B960494DF}">
-              <a14:hiddenLine xmlns:a14="http://schemas.microsoft.com/office/drawing/2010/main" xmlns="" w="9525" algn="ctr">
+              <a14:hiddenLine xmlns="" xmlns:a14="http://schemas.microsoft.com/office/drawing/2010/main" w="9525" algn="ctr">
                 <a:solidFill>
                   <a:schemeClr val="tx1"/>
                 </a:solidFill>
@@ -11626,7 +11617,7 @@
               </a14:hiddenLine>
             </a:ext>
             <a:ext uri="{AF507438-7753-43E0-B8FC-AC1667EBCBE1}">
-              <a14:hiddenEffects xmlns:a14="http://schemas.microsoft.com/office/drawing/2010/main" xmlns="">
+              <a14:hiddenEffects xmlns="" xmlns:a14="http://schemas.microsoft.com/office/drawing/2010/main">
                 <a:effectLst>
                   <a:outerShdw dist="35921" dir="2700000" algn="ctr" rotWithShape="0">
                     <a:schemeClr val="bg2"/>
@@ -11684,14 +11675,14 @@
           <a:effectLst/>
           <a:extLst>
             <a:ext uri="{909E8E84-426E-40DD-AFC4-6F175D3DCCD1}">
-              <a14:hiddenFill xmlns:a14="http://schemas.microsoft.com/office/drawing/2010/main" xmlns="">
+              <a14:hiddenFill xmlns="" xmlns:a14="http://schemas.microsoft.com/office/drawing/2010/main">
                 <a:solidFill>
                   <a:schemeClr val="accent1"/>
                 </a:solidFill>
               </a14:hiddenFill>
             </a:ext>
             <a:ext uri="{91240B29-F687-4F45-9708-019B960494DF}">
-              <a14:hiddenLine xmlns:a14="http://schemas.microsoft.com/office/drawing/2010/main" xmlns="" w="9525" algn="ctr">
+              <a14:hiddenLine xmlns="" xmlns:a14="http://schemas.microsoft.com/office/drawing/2010/main" w="9525" algn="ctr">
                 <a:solidFill>
                   <a:schemeClr val="tx1"/>
                 </a:solidFill>
@@ -11701,7 +11692,7 @@
               </a14:hiddenLine>
             </a:ext>
             <a:ext uri="{AF507438-7753-43E0-B8FC-AC1667EBCBE1}">
-              <a14:hiddenEffects xmlns:a14="http://schemas.microsoft.com/office/drawing/2010/main" xmlns="">
+              <a14:hiddenEffects xmlns="" xmlns:a14="http://schemas.microsoft.com/office/drawing/2010/main">
                 <a:effectLst>
                   <a:outerShdw dist="35921" dir="2700000" algn="ctr" rotWithShape="0">
                     <a:schemeClr val="bg2"/>
@@ -11758,14 +11749,14 @@
           <a:effectLst/>
           <a:extLst>
             <a:ext uri="{909E8E84-426E-40DD-AFC4-6F175D3DCCD1}">
-              <a14:hiddenFill xmlns:a14="http://schemas.microsoft.com/office/drawing/2010/main" xmlns="">
+              <a14:hiddenFill xmlns="" xmlns:a14="http://schemas.microsoft.com/office/drawing/2010/main">
                 <a:solidFill>
                   <a:schemeClr val="accent1"/>
                 </a:solidFill>
               </a14:hiddenFill>
             </a:ext>
             <a:ext uri="{91240B29-F687-4F45-9708-019B960494DF}">
-              <a14:hiddenLine xmlns:a14="http://schemas.microsoft.com/office/drawing/2010/main" xmlns="" w="9525" algn="ctr">
+              <a14:hiddenLine xmlns="" xmlns:a14="http://schemas.microsoft.com/office/drawing/2010/main" w="9525" algn="ctr">
                 <a:solidFill>
                   <a:schemeClr val="tx1"/>
                 </a:solidFill>
@@ -11775,7 +11766,7 @@
               </a14:hiddenLine>
             </a:ext>
             <a:ext uri="{AF507438-7753-43E0-B8FC-AC1667EBCBE1}">
-              <a14:hiddenEffects xmlns:a14="http://schemas.microsoft.com/office/drawing/2010/main" xmlns="">
+              <a14:hiddenEffects xmlns="" xmlns:a14="http://schemas.microsoft.com/office/drawing/2010/main">
                 <a:effectLst>
                   <a:outerShdw dist="35921" dir="2700000" algn="ctr" rotWithShape="0">
                     <a:schemeClr val="bg2"/>
@@ -11833,14 +11824,14 @@
           <a:effectLst/>
           <a:extLst>
             <a:ext uri="{909E8E84-426E-40DD-AFC4-6F175D3DCCD1}">
-              <a14:hiddenFill xmlns:a14="http://schemas.microsoft.com/office/drawing/2010/main" xmlns="">
+              <a14:hiddenFill xmlns="" xmlns:a14="http://schemas.microsoft.com/office/drawing/2010/main">
                 <a:solidFill>
                   <a:schemeClr val="accent1"/>
                 </a:solidFill>
               </a14:hiddenFill>
             </a:ext>
             <a:ext uri="{91240B29-F687-4F45-9708-019B960494DF}">
-              <a14:hiddenLine xmlns:a14="http://schemas.microsoft.com/office/drawing/2010/main" xmlns="" w="9525" algn="ctr">
+              <a14:hiddenLine xmlns="" xmlns:a14="http://schemas.microsoft.com/office/drawing/2010/main" w="9525" algn="ctr">
                 <a:solidFill>
                   <a:schemeClr val="tx1"/>
                 </a:solidFill>
@@ -11850,7 +11841,7 @@
               </a14:hiddenLine>
             </a:ext>
             <a:ext uri="{AF507438-7753-43E0-B8FC-AC1667EBCBE1}">
-              <a14:hiddenEffects xmlns:a14="http://schemas.microsoft.com/office/drawing/2010/main" xmlns="">
+              <a14:hiddenEffects xmlns="" xmlns:a14="http://schemas.microsoft.com/office/drawing/2010/main">
                 <a:effectLst>
                   <a:outerShdw dist="35921" dir="2700000" algn="ctr" rotWithShape="0">
                     <a:schemeClr val="bg2"/>
@@ -11908,14 +11899,14 @@
           <a:effectLst/>
           <a:extLst>
             <a:ext uri="{909E8E84-426E-40DD-AFC4-6F175D3DCCD1}">
-              <a14:hiddenFill xmlns:a14="http://schemas.microsoft.com/office/drawing/2010/main" xmlns="">
+              <a14:hiddenFill xmlns="" xmlns:a14="http://schemas.microsoft.com/office/drawing/2010/main">
                 <a:solidFill>
                   <a:schemeClr val="accent1"/>
                 </a:solidFill>
               </a14:hiddenFill>
             </a:ext>
             <a:ext uri="{91240B29-F687-4F45-9708-019B960494DF}">
-              <a14:hiddenLine xmlns:a14="http://schemas.microsoft.com/office/drawing/2010/main" xmlns="" w="9525" algn="ctr">
+              <a14:hiddenLine xmlns="" xmlns:a14="http://schemas.microsoft.com/office/drawing/2010/main" w="9525" algn="ctr">
                 <a:solidFill>
                   <a:schemeClr val="tx1"/>
                 </a:solidFill>
@@ -11925,7 +11916,7 @@
               </a14:hiddenLine>
             </a:ext>
             <a:ext uri="{AF507438-7753-43E0-B8FC-AC1667EBCBE1}">
-              <a14:hiddenEffects xmlns:a14="http://schemas.microsoft.com/office/drawing/2010/main" xmlns="">
+              <a14:hiddenEffects xmlns="" xmlns:a14="http://schemas.microsoft.com/office/drawing/2010/main">
                 <a:effectLst>
                   <a:outerShdw dist="35921" dir="2700000" algn="ctr" rotWithShape="0">
                     <a:schemeClr val="bg2"/>
@@ -12386,14 +12377,14 @@
           <a:effectLst/>
           <a:extLst>
             <a:ext uri="{909E8E84-426E-40DD-AFC4-6F175D3DCCD1}">
-              <a14:hiddenFill xmlns:a14="http://schemas.microsoft.com/office/drawing/2010/main" xmlns="">
+              <a14:hiddenFill xmlns="" xmlns:a14="http://schemas.microsoft.com/office/drawing/2010/main">
                 <a:solidFill>
                   <a:schemeClr val="accent1"/>
                 </a:solidFill>
               </a14:hiddenFill>
             </a:ext>
             <a:ext uri="{91240B29-F687-4F45-9708-019B960494DF}">
-              <a14:hiddenLine xmlns:a14="http://schemas.microsoft.com/office/drawing/2010/main" xmlns="" w="9525" algn="ctr">
+              <a14:hiddenLine xmlns="" xmlns:a14="http://schemas.microsoft.com/office/drawing/2010/main" w="9525" algn="ctr">
                 <a:solidFill>
                   <a:schemeClr val="tx1"/>
                 </a:solidFill>
@@ -12403,7 +12394,7 @@
               </a14:hiddenLine>
             </a:ext>
             <a:ext uri="{AF507438-7753-43E0-B8FC-AC1667EBCBE1}">
-              <a14:hiddenEffects xmlns:a14="http://schemas.microsoft.com/office/drawing/2010/main" xmlns="">
+              <a14:hiddenEffects xmlns="" xmlns:a14="http://schemas.microsoft.com/office/drawing/2010/main">
                 <a:effectLst>
                   <a:outerShdw dist="35921" dir="2700000" algn="ctr" rotWithShape="0">
                     <a:schemeClr val="bg2"/>
@@ -12461,14 +12452,14 @@
           <a:effectLst/>
           <a:extLst>
             <a:ext uri="{909E8E84-426E-40DD-AFC4-6F175D3DCCD1}">
-              <a14:hiddenFill xmlns:a14="http://schemas.microsoft.com/office/drawing/2010/main" xmlns="">
+              <a14:hiddenFill xmlns="" xmlns:a14="http://schemas.microsoft.com/office/drawing/2010/main">
                 <a:solidFill>
                   <a:schemeClr val="accent1"/>
                 </a:solidFill>
               </a14:hiddenFill>
             </a:ext>
             <a:ext uri="{91240B29-F687-4F45-9708-019B960494DF}">
-              <a14:hiddenLine xmlns:a14="http://schemas.microsoft.com/office/drawing/2010/main" xmlns="" w="9525" algn="ctr">
+              <a14:hiddenLine xmlns="" xmlns:a14="http://schemas.microsoft.com/office/drawing/2010/main" w="9525" algn="ctr">
                 <a:solidFill>
                   <a:schemeClr val="tx1"/>
                 </a:solidFill>
@@ -12478,7 +12469,7 @@
               </a14:hiddenLine>
             </a:ext>
             <a:ext uri="{AF507438-7753-43E0-B8FC-AC1667EBCBE1}">
-              <a14:hiddenEffects xmlns:a14="http://schemas.microsoft.com/office/drawing/2010/main" xmlns="">
+              <a14:hiddenEffects xmlns="" xmlns:a14="http://schemas.microsoft.com/office/drawing/2010/main">
                 <a:effectLst>
                   <a:outerShdw dist="35921" dir="2700000" algn="ctr" rotWithShape="0">
                     <a:schemeClr val="bg2"/>
@@ -13609,7 +13600,6 @@
               <a:rPr lang="en-US" dirty="0" smtClean="0"/>
               <a:t>.</a:t>
             </a:r>
-            <a:endParaRPr lang="en-US" dirty="0" smtClean="0"/>
           </a:p>
           <a:p>
             <a:r>
@@ -14452,11 +14442,7 @@
             </a:pPr>
             <a:r>
               <a:rPr lang="en-US" b="1" dirty="0" smtClean="0"/>
-              <a:t>	</a:t>
-            </a:r>
-            <a:r>
-              <a:rPr lang="en-US" b="1" dirty="0" smtClean="0"/>
-              <a:t>attribute</a:t>
+              <a:t>	attribute</a:t>
             </a:r>
             <a:r>
               <a:rPr lang="en-US" dirty="0" smtClean="0"/>
@@ -14552,11 +14538,7 @@
             </a:r>
             <a:r>
               <a:rPr lang="en-US" dirty="0" smtClean="0"/>
-              <a:t>Theater</a:t>
-            </a:r>
-            <a:r>
-              <a:rPr lang="en-US" dirty="0" smtClean="0"/>
-              <a:t>::</a:t>
+              <a:t>Theater::</a:t>
             </a:r>
             <a:r>
               <a:rPr lang="en-US" dirty="0" err="1" smtClean="0"/>
@@ -15480,11 +15462,7 @@
             </a:r>
             <a:r>
               <a:rPr lang="en-US" sz="3000" dirty="0" smtClean="0"/>
-              <a:t>Movie</a:t>
-            </a:r>
-            <a:r>
-              <a:rPr lang="en-US" sz="3000" dirty="0" smtClean="0"/>
-              <a:t>&gt; </a:t>
+              <a:t>Movie&gt; </a:t>
             </a:r>
             <a:r>
               <a:rPr lang="en-US" sz="3000" dirty="0" err="1" smtClean="0"/>
@@ -15500,11 +15478,7 @@
             </a:r>
             <a:r>
               <a:rPr lang="en-US" sz="3000" dirty="0" smtClean="0"/>
-              <a:t>       Movie</a:t>
-            </a:r>
-            <a:r>
-              <a:rPr lang="en-US" sz="3000" dirty="0" smtClean="0"/>
-              <a:t>:: </a:t>
+              <a:t>       Movie:: </a:t>
             </a:r>
             <a:r>
               <a:rPr lang="en-US" sz="3000" dirty="0" err="1" smtClean="0"/>
@@ -15542,7 +15516,6 @@
               <a:rPr lang="en-US" sz="3000" b="1" dirty="0" smtClean="0"/>
               <a:t>}</a:t>
             </a:r>
-            <a:endParaRPr lang="en-US" sz="3000" b="1" dirty="0" smtClean="0"/>
           </a:p>
         </p:txBody>
       </p:sp>
@@ -15956,13 +15929,8 @@
             </a:r>
             <a:r>
               <a:rPr lang="en-US" dirty="0" smtClean="0"/>
-              <a:t> C</a:t>
-            </a:r>
-            <a:r>
-              <a:rPr lang="en-US" dirty="0" smtClean="0"/>
-              <a:t>++.</a:t>
-            </a:r>
-            <a:endParaRPr lang="en-US" dirty="0" smtClean="0"/>
+              <a:t> C++.</a:t>
+            </a:r>
           </a:p>
           <a:p>
             <a:r>
@@ -16067,13 +16035,8 @@
             </a:r>
             <a:r>
               <a:rPr lang="en-US" dirty="0" smtClean="0"/>
-              <a:t>.</a:t>
-            </a:r>
-            <a:r>
-              <a:rPr lang="en-US" dirty="0" smtClean="0"/>
-              <a:t>	</a:t>
-            </a:r>
-            <a:endParaRPr lang="en-US" dirty="0" smtClean="0"/>
+              <a:t>.	</a:t>
+            </a:r>
           </a:p>
           <a:p>
             <a:r>
@@ -16847,11 +16810,7 @@
             </a:pPr>
             <a:r>
               <a:rPr lang="en-US" dirty="0" smtClean="0"/>
-              <a:t>	</a:t>
-            </a:r>
-            <a:r>
-              <a:rPr lang="en-US" dirty="0" smtClean="0"/>
-              <a:t>		</a:t>
+              <a:t>			</a:t>
             </a:r>
             <a:r>
               <a:rPr lang="en-US" i="1" dirty="0" err="1" smtClean="0"/>
@@ -17255,11 +17214,7 @@
             </a:pPr>
             <a:r>
               <a:rPr lang="en-US" dirty="0" smtClean="0"/>
-              <a:t>	</a:t>
-            </a:r>
-            <a:r>
-              <a:rPr lang="en-US" dirty="0" smtClean="0"/>
-              <a:t>		</a:t>
+              <a:t>			</a:t>
             </a:r>
             <a:r>
               <a:rPr lang="en-US" i="1" dirty="0" err="1" smtClean="0"/>
@@ -17631,7 +17586,7 @@
             <a:blip r:embed="rId2" cstate="print">
               <a:extLst>
                 <a:ext uri="{28A0092B-C50C-407E-A947-70E740481C1C}">
-                  <a14:useLocalDpi xmlns="" xmlns:a14="http://schemas.microsoft.com/office/drawing/2010/main" val="0"/>
+                  <a14:useLocalDpi xmlns:a14="http://schemas.microsoft.com/office/drawing/2010/main" xmlns="" val="0"/>
                 </a:ext>
               </a:extLst>
             </a:blip>
@@ -17774,11 +17729,7 @@
           <a:p>
             <a:r>
               <a:rPr lang="en-US" sz="3600" dirty="0" smtClean="0"/>
-              <a:t>Data </a:t>
-            </a:r>
-            <a:r>
-              <a:rPr lang="en-US" sz="3600" dirty="0" smtClean="0"/>
-              <a:t>model</a:t>
+              <a:t>Data model</a:t>
             </a:r>
           </a:p>
         </p:txBody>
@@ -17809,7 +17760,6 @@
               <a:rPr lang="en-US" sz="3600" dirty="0" smtClean="0"/>
               <a:t>ODL</a:t>
             </a:r>
-            <a:endParaRPr lang="en-US" sz="3600" dirty="0" smtClean="0"/>
           </a:p>
         </p:txBody>
       </p:sp>
@@ -17839,7 +17789,6 @@
               <a:rPr lang="en-US" sz="3600" dirty="0" smtClean="0"/>
               <a:t>OQL</a:t>
             </a:r>
-            <a:endParaRPr lang="en-US" sz="3600" dirty="0" smtClean="0"/>
           </a:p>
         </p:txBody>
       </p:sp>
@@ -18325,11 +18274,7 @@
             </a:pPr>
             <a:r>
               <a:rPr lang="en-US" b="1" dirty="0" smtClean="0"/>
-              <a:t>ORDER </a:t>
-            </a:r>
-            <a:r>
-              <a:rPr lang="en-US" b="1" dirty="0" smtClean="0"/>
-              <a:t>BY</a:t>
+              <a:t>ORDER BY</a:t>
             </a:r>
             <a:r>
               <a:rPr lang="en-US" dirty="0" smtClean="0"/>
@@ -18343,7 +18288,6 @@
               <a:rPr lang="en-US" dirty="0" smtClean="0"/>
               <a:t> DESC) [0:4]</a:t>
             </a:r>
-            <a:endParaRPr lang="en-US" dirty="0" smtClean="0"/>
           </a:p>
           <a:p>
             <a:pPr>
@@ -18582,7 +18526,7 @@
             <a:blip r:embed="rId2" cstate="print">
               <a:extLst>
                 <a:ext uri="{28A0092B-C50C-407E-A947-70E740481C1C}">
-                  <a14:useLocalDpi xmlns="" xmlns:a14="http://schemas.microsoft.com/office/drawing/2010/main" val="0"/>
+                  <a14:useLocalDpi xmlns:a14="http://schemas.microsoft.com/office/drawing/2010/main" xmlns="" val="0"/>
                 </a:ext>
               </a:extLst>
             </a:blip>
@@ -18668,7 +18612,7 @@
             <a:blip r:embed="rId3" cstate="print">
               <a:extLst>
                 <a:ext uri="{28A0092B-C50C-407E-A947-70E740481C1C}">
-                  <a14:useLocalDpi xmlns="" xmlns:a14="http://schemas.microsoft.com/office/drawing/2010/main" val="0"/>
+                  <a14:useLocalDpi xmlns:a14="http://schemas.microsoft.com/office/drawing/2010/main" xmlns="" val="0"/>
                 </a:ext>
               </a:extLst>
             </a:blip>
@@ -18753,7 +18697,7 @@
             <a:blip r:embed="rId4" cstate="print">
               <a:extLst>
                 <a:ext uri="{28A0092B-C50C-407E-A947-70E740481C1C}">
-                  <a14:useLocalDpi xmlns="" xmlns:a14="http://schemas.microsoft.com/office/drawing/2010/main" val="0"/>
+                  <a14:useLocalDpi xmlns:a14="http://schemas.microsoft.com/office/drawing/2010/main" xmlns="" val="0"/>
                 </a:ext>
               </a:extLst>
             </a:blip>
@@ -18838,7 +18782,7 @@
             <a:blip r:embed="rId5" cstate="print">
               <a:extLst>
                 <a:ext uri="{28A0092B-C50C-407E-A947-70E740481C1C}">
-                  <a14:useLocalDpi xmlns="" xmlns:a14="http://schemas.microsoft.com/office/drawing/2010/main" val="0"/>
+                  <a14:useLocalDpi xmlns:a14="http://schemas.microsoft.com/office/drawing/2010/main" xmlns="" val="0"/>
                 </a:ext>
               </a:extLst>
             </a:blip>
@@ -18923,7 +18867,7 @@
             <a:blip r:embed="rId6" cstate="print">
               <a:extLst>
                 <a:ext uri="{28A0092B-C50C-407E-A947-70E740481C1C}">
-                  <a14:useLocalDpi xmlns="" xmlns:a14="http://schemas.microsoft.com/office/drawing/2010/main" val="0"/>
+                  <a14:useLocalDpi xmlns:a14="http://schemas.microsoft.com/office/drawing/2010/main" xmlns="" val="0"/>
                 </a:ext>
               </a:extLst>
             </a:blip>
@@ -19009,7 +18953,7 @@
             <a:blip r:embed="rId7" cstate="print">
               <a:extLst>
                 <a:ext uri="{28A0092B-C50C-407E-A947-70E740481C1C}">
-                  <a14:useLocalDpi xmlns="" xmlns:a14="http://schemas.microsoft.com/office/drawing/2010/main" val="0"/>
+                  <a14:useLocalDpi xmlns:a14="http://schemas.microsoft.com/office/drawing/2010/main" xmlns="" val="0"/>
                 </a:ext>
               </a:extLst>
             </a:blip>
@@ -19094,7 +19038,7 @@
             <a:blip r:embed="rId8" cstate="print">
               <a:extLst>
                 <a:ext uri="{28A0092B-C50C-407E-A947-70E740481C1C}">
-                  <a14:useLocalDpi xmlns="" xmlns:a14="http://schemas.microsoft.com/office/drawing/2010/main" val="0"/>
+                  <a14:useLocalDpi xmlns:a14="http://schemas.microsoft.com/office/drawing/2010/main" xmlns="" val="0"/>
                 </a:ext>
               </a:extLst>
             </a:blip>
@@ -19180,7 +19124,7 @@
             <a:blip r:embed="rId9" cstate="print">
               <a:extLst>
                 <a:ext uri="{28A0092B-C50C-407E-A947-70E740481C1C}">
-                  <a14:useLocalDpi xmlns="" xmlns:a14="http://schemas.microsoft.com/office/drawing/2010/main" val="0"/>
+                  <a14:useLocalDpi xmlns:a14="http://schemas.microsoft.com/office/drawing/2010/main" xmlns="" val="0"/>
                 </a:ext>
               </a:extLst>
             </a:blip>
@@ -19266,7 +19210,7 @@
             <a:blip r:embed="rId10" cstate="print">
               <a:extLst>
                 <a:ext uri="{28A0092B-C50C-407E-A947-70E740481C1C}">
-                  <a14:useLocalDpi xmlns="" xmlns:a14="http://schemas.microsoft.com/office/drawing/2010/main" val="0"/>
+                  <a14:useLocalDpi xmlns:a14="http://schemas.microsoft.com/office/drawing/2010/main" xmlns="" val="0"/>
                 </a:ext>
               </a:extLst>
             </a:blip>
@@ -20794,7 +20738,6 @@
               <a:rPr lang="en-US" b="1" dirty="0" smtClean="0"/>
               <a:t>.</a:t>
             </a:r>
-            <a:endParaRPr lang="en-US" b="1" dirty="0" smtClean="0"/>
           </a:p>
         </p:txBody>
       </p:sp>
@@ -21302,11 +21245,7 @@
             </a:r>
             <a:r>
               <a:rPr lang="en-US" dirty="0" smtClean="0"/>
-              <a:t> DBMS</a:t>
-            </a:r>
-            <a:r>
-              <a:rPr lang="en-US" dirty="0" smtClean="0"/>
-              <a:t>, </a:t>
+              <a:t> DBMS, </a:t>
             </a:r>
             <a:r>
               <a:rPr lang="en-US" dirty="0" err="1" smtClean="0"/>
@@ -22457,7 +22396,7 @@
             <a:blip r:embed="rId3" cstate="print">
               <a:extLst>
                 <a:ext uri="{28A0092B-C50C-407E-A947-70E740481C1C}">
-                  <a14:useLocalDpi xmlns="" xmlns:a14="http://schemas.microsoft.com/office/drawing/2010/main" val="0"/>
+                  <a14:useLocalDpi xmlns:a14="http://schemas.microsoft.com/office/drawing/2010/main" xmlns="" val="0"/>
                 </a:ext>
               </a:extLst>
             </a:blip>
@@ -22527,7 +22466,7 @@
             <p:ph idx="1"/>
             <p:extLst>
               <p:ext uri="{D42A27DB-BD31-4B8C-83A1-F6EECF244321}">
-                <p14:modId xmlns:p14="http://schemas.microsoft.com/office/powerpoint/2010/main" xmlns="" val="1535184249"/>
+                <p14:modId xmlns="" xmlns:p14="http://schemas.microsoft.com/office/powerpoint/2010/main" val="1535184249"/>
               </p:ext>
             </p:extLst>
           </p:nvPr>
@@ -23132,17 +23071,7 @@
                 <a:latin typeface="Myriad Pro" pitchFamily="34" charset="0"/>
                 <a:cs typeface="Arial" charset="0"/>
               </a:rPr>
-              <a:t>T</a:t>
-            </a:r>
-            <a:r>
-              <a:rPr lang="en-US" dirty="0" err="1" smtClean="0">
-                <a:solidFill>
-                  <a:srgbClr val="0070C0"/>
-                </a:solidFill>
-                <a:latin typeface="Myriad Pro" pitchFamily="34" charset="0"/>
-                <a:cs typeface="Arial" charset="0"/>
-              </a:rPr>
-              <a:t>ruy</a:t>
+              <a:t>Truy</a:t>
             </a:r>
             <a:r>
               <a:rPr lang="en-US" dirty="0" smtClean="0">
@@ -23927,15 +23856,7 @@
                   <a:srgbClr val="FF0000"/>
                 </a:solidFill>
               </a:rPr>
-              <a:t>K</a:t>
-            </a:r>
-            <a:r>
-              <a:rPr lang="en-US" b="1" dirty="0" err="1" smtClean="0">
-                <a:solidFill>
-                  <a:srgbClr val="FF0000"/>
-                </a:solidFill>
-              </a:rPr>
-              <a:t>hái</a:t>
+              <a:t>Khái</a:t>
             </a:r>
             <a:r>
               <a:rPr lang="en-US" b="1" dirty="0" smtClean="0">
@@ -25822,11 +25743,7 @@
             </a:r>
             <a:r>
               <a:rPr lang="en-US" b="1" dirty="0" smtClean="0"/>
-              <a:t> </a:t>
-            </a:r>
-            <a:r>
-              <a:rPr lang="en-US" b="1" dirty="0" smtClean="0"/>
-              <a:t>(Attribute):</a:t>
+              <a:t> (Attribute):</a:t>
             </a:r>
           </a:p>
           <a:p>
@@ -25835,11 +25752,7 @@
             </a:pPr>
             <a:r>
               <a:rPr lang="en-US" dirty="0" smtClean="0"/>
-              <a:t>	</a:t>
-            </a:r>
-            <a:r>
-              <a:rPr lang="en-US" dirty="0" smtClean="0"/>
-              <a:t>- </a:t>
+              <a:t>	- </a:t>
             </a:r>
             <a:r>
               <a:rPr lang="en-US" dirty="0" err="1" smtClean="0"/>
@@ -25880,11 +25793,7 @@
             </a:pPr>
             <a:r>
               <a:rPr lang="en-US" dirty="0" smtClean="0"/>
-              <a:t>	</a:t>
-            </a:r>
-            <a:r>
-              <a:rPr lang="en-US" dirty="0" smtClean="0"/>
-              <a:t>- </a:t>
+              <a:t>	- </a:t>
             </a:r>
             <a:r>
               <a:rPr lang="en-US" dirty="0" err="1" smtClean="0"/>
@@ -26077,11 +25986,7 @@
                       </a:r>
                       <a:r>
                         <a:rPr lang="en-US" sz="2200" baseline="0" dirty="0" smtClean="0"/>
-                        <a:t> = </a:t>
-                      </a:r>
-                      <a:r>
-                        <a:rPr lang="en-US" sz="2200" baseline="0" dirty="0" smtClean="0"/>
-                        <a:t>unsigned short</a:t>
+                        <a:t> = unsigned short</a:t>
                       </a:r>
                     </a:p>
                   </a:txBody>
@@ -26767,11 +26672,7 @@
             </a:r>
             <a:r>
               <a:rPr lang="en-US" b="1" dirty="0" smtClean="0"/>
-              <a:t> </a:t>
-            </a:r>
-            <a:r>
-              <a:rPr lang="en-US" b="1" dirty="0" smtClean="0"/>
-              <a:t>(relationship):</a:t>
+              <a:t> (relationship):</a:t>
             </a:r>
           </a:p>
           <a:p>
@@ -26780,11 +26681,7 @@
             </a:pPr>
             <a:r>
               <a:rPr lang="en-US" dirty="0" smtClean="0"/>
-              <a:t>	</a:t>
-            </a:r>
-            <a:r>
-              <a:rPr lang="en-US" dirty="0" smtClean="0"/>
-              <a:t>- </a:t>
+              <a:t>	- </a:t>
             </a:r>
             <a:r>
               <a:rPr lang="en-US" dirty="0" err="1" smtClean="0"/>
@@ -26809,11 +26706,7 @@
             </a:pPr>
             <a:r>
               <a:rPr lang="en-US" dirty="0" smtClean="0"/>
-              <a:t>	</a:t>
-            </a:r>
-            <a:r>
-              <a:rPr lang="en-US" dirty="0" smtClean="0"/>
-              <a:t>- </a:t>
+              <a:t>	- </a:t>
             </a:r>
             <a:r>
               <a:rPr lang="en-US" dirty="0" err="1" smtClean="0"/>
@@ -26838,11 +26731,7 @@
             </a:pPr>
             <a:r>
               <a:rPr lang="en-US" dirty="0" smtClean="0"/>
-              <a:t>	</a:t>
-            </a:r>
-            <a:r>
-              <a:rPr lang="en-US" dirty="0" smtClean="0"/>
-              <a:t>- </a:t>
+              <a:t>	- </a:t>
             </a:r>
             <a:r>
               <a:rPr lang="en-US" dirty="0" err="1" smtClean="0"/>
@@ -26867,11 +26756,7 @@
             </a:pPr>
             <a:r>
               <a:rPr lang="en-US" dirty="0" smtClean="0"/>
-              <a:t>	</a:t>
-            </a:r>
-            <a:r>
-              <a:rPr lang="en-US" dirty="0" smtClean="0"/>
-              <a:t>- </a:t>
+              <a:t>	- </a:t>
             </a:r>
             <a:r>
               <a:rPr lang="en-US" b="1" dirty="0" err="1" smtClean="0"/>
@@ -26927,15 +26812,92 @@
             </a:r>
             <a:r>
               <a:rPr lang="en-US" b="1" dirty="0" smtClean="0"/>
-              <a:t> </a:t>
+              <a:t> - inverse relationship</a:t>
+            </a:r>
+            <a:r>
+              <a:rPr lang="en-US" dirty="0" smtClean="0"/>
+              <a:t>.</a:t>
+            </a:r>
+          </a:p>
+          <a:p>
+            <a:pPr>
+              <a:buNone/>
+            </a:pPr>
+            <a:r>
+              <a:rPr lang="en-US" b="1" dirty="0" smtClean="0"/>
+              <a:t>	</a:t>
             </a:r>
             <a:r>
               <a:rPr lang="en-US" b="1" dirty="0" smtClean="0"/>
               <a:t>- </a:t>
             </a:r>
             <a:r>
-              <a:rPr lang="en-US" b="1" dirty="0" smtClean="0"/>
-              <a:t>inverse relationship</a:t>
+              <a:rPr lang="en-US" dirty="0" err="1" smtClean="0"/>
+              <a:t>Có</a:t>
+            </a:r>
+            <a:r>
+              <a:rPr lang="en-US" dirty="0" smtClean="0"/>
+              <a:t> </a:t>
+            </a:r>
+            <a:r>
+              <a:rPr lang="en-US" dirty="0" err="1" smtClean="0"/>
+              <a:t>tên</a:t>
+            </a:r>
+            <a:r>
+              <a:rPr lang="en-US" dirty="0" smtClean="0"/>
+              <a:t> </a:t>
+            </a:r>
+            <a:r>
+              <a:rPr lang="en-US" dirty="0" err="1" smtClean="0"/>
+              <a:t>mối</a:t>
+            </a:r>
+            <a:r>
+              <a:rPr lang="en-US" dirty="0" smtClean="0"/>
+              <a:t> </a:t>
+            </a:r>
+            <a:r>
+              <a:rPr lang="en-US" dirty="0" err="1" smtClean="0"/>
+              <a:t>kết</a:t>
+            </a:r>
+            <a:r>
+              <a:rPr lang="en-US" dirty="0" smtClean="0"/>
+              <a:t> </a:t>
+            </a:r>
+            <a:r>
+              <a:rPr lang="en-US" dirty="0" err="1" smtClean="0"/>
+              <a:t>hợp</a:t>
+            </a:r>
+            <a:r>
+              <a:rPr lang="en-US" dirty="0" smtClean="0"/>
+              <a:t> </a:t>
+            </a:r>
+            <a:r>
+              <a:rPr lang="en-US" dirty="0" err="1" smtClean="0"/>
+              <a:t>và</a:t>
+            </a:r>
+            <a:r>
+              <a:rPr lang="en-US" dirty="0" smtClean="0"/>
+              <a:t> </a:t>
+            </a:r>
+            <a:r>
+              <a:rPr lang="en-US" dirty="0" err="1" smtClean="0"/>
+              <a:t>kiểu</a:t>
+            </a:r>
+            <a:r>
+              <a:rPr lang="en-US" dirty="0" smtClean="0"/>
+              <a:t> </a:t>
+            </a:r>
+            <a:r>
+              <a:rPr lang="en-US" dirty="0" err="1" smtClean="0"/>
+              <a:t>dữ</a:t>
+            </a:r>
+            <a:r>
+              <a:rPr lang="en-US" dirty="0" smtClean="0"/>
+              <a:t> </a:t>
+            </a:r>
+            <a:r>
+              <a:rPr lang="en-US" dirty="0" err="1" smtClean="0"/>
+              <a:t>liệu</a:t>
             </a:r>
             <a:r>
               <a:rPr lang="en-US" dirty="0" smtClean="0"/>
@@ -27519,6 +27481,67 @@
                       </p:childTnLst>
                     </p:cTn>
                   </p:par>
+                  <p:par>
+                    <p:cTn id="43" fill="hold">
+                      <p:stCondLst>
+                        <p:cond delay="indefinite"/>
+                      </p:stCondLst>
+                      <p:childTnLst>
+                        <p:par>
+                          <p:cTn id="44" fill="hold">
+                            <p:stCondLst>
+                              <p:cond delay="0"/>
+                            </p:stCondLst>
+                            <p:childTnLst>
+                              <p:par>
+                                <p:cTn id="45" presetID="3" presetClass="entr" presetSubtype="10" fill="hold" nodeType="clickEffect">
+                                  <p:stCondLst>
+                                    <p:cond delay="0"/>
+                                  </p:stCondLst>
+                                  <p:childTnLst>
+                                    <p:set>
+                                      <p:cBhvr>
+                                        <p:cTn id="46" dur="1" fill="hold">
+                                          <p:stCondLst>
+                                            <p:cond delay="0"/>
+                                          </p:stCondLst>
+                                        </p:cTn>
+                                        <p:tgtEl>
+                                          <p:spTgt spid="3">
+                                            <p:txEl>
+                                              <p:pRg st="5" end="5"/>
+                                            </p:txEl>
+                                          </p:spTgt>
+                                        </p:tgtEl>
+                                        <p:attrNameLst>
+                                          <p:attrName>style.visibility</p:attrName>
+                                        </p:attrNameLst>
+                                      </p:cBhvr>
+                                      <p:to>
+                                        <p:strVal val="visible"/>
+                                      </p:to>
+                                    </p:set>
+                                    <p:animEffect transition="in" filter="blinds(horizontal)">
+                                      <p:cBhvr>
+                                        <p:cTn id="47" dur="500"/>
+                                        <p:tgtEl>
+                                          <p:spTgt spid="3">
+                                            <p:txEl>
+                                              <p:pRg st="5" end="5"/>
+                                            </p:txEl>
+                                          </p:spTgt>
+                                        </p:tgtEl>
+                                      </p:cBhvr>
+                                    </p:animEffect>
+                                  </p:childTnLst>
+                                </p:cTn>
+                              </p:par>
+                            </p:childTnLst>
+                          </p:cTn>
+                        </p:par>
+                      </p:childTnLst>
+                    </p:cTn>
+                  </p:par>
                 </p:childTnLst>
               </p:cTn>
               <p:prevCondLst>
@@ -27648,11 +27671,7 @@
             </a:r>
             <a:r>
               <a:rPr lang="en-US" b="1" dirty="0" smtClean="0"/>
-              <a:t> (relationship</a:t>
-            </a:r>
-            <a:r>
-              <a:rPr lang="en-US" b="1" dirty="0" smtClean="0"/>
-              <a:t>):</a:t>
+              <a:t> (relationship):</a:t>
             </a:r>
           </a:p>
           <a:p>
@@ -28065,11 +28084,7 @@
             </a:pPr>
             <a:r>
               <a:rPr lang="en-US" b="1" dirty="0" smtClean="0"/>
-              <a:t>	</a:t>
-            </a:r>
-            <a:r>
-              <a:rPr lang="en-US" b="1" dirty="0" smtClean="0"/>
-              <a:t>- </a:t>
+              <a:t>	- </a:t>
             </a:r>
             <a:r>
               <a:rPr lang="en-US" dirty="0" err="1" smtClean="0"/>
@@ -28142,11 +28157,7 @@
             </a:pPr>
             <a:r>
               <a:rPr lang="en-US" b="1" dirty="0" smtClean="0"/>
-              <a:t>	</a:t>
-            </a:r>
-            <a:r>
-              <a:rPr lang="en-US" b="1" dirty="0" smtClean="0"/>
-              <a:t>- </a:t>
+              <a:t>	- </a:t>
             </a:r>
             <a:r>
               <a:rPr lang="en-US" b="1" dirty="0" err="1" smtClean="0"/>
@@ -28207,6 +28218,152 @@
             <a:r>
               <a:rPr lang="en-US" b="1" dirty="0" err="1" smtClean="0"/>
               <a:t>hệ</a:t>
+            </a:r>
+            <a:endParaRPr lang="en-US" b="1" dirty="0" smtClean="0"/>
+          </a:p>
+          <a:p>
+            <a:pPr>
+              <a:buNone/>
+            </a:pPr>
+            <a:r>
+              <a:rPr lang="en-US" b="1" dirty="0" smtClean="0"/>
+              <a:t>	- </a:t>
+            </a:r>
+            <a:r>
+              <a:rPr lang="en-US" dirty="0" err="1" smtClean="0"/>
+              <a:t>Có</a:t>
+            </a:r>
+            <a:r>
+              <a:rPr lang="en-US" dirty="0" smtClean="0"/>
+              <a:t> </a:t>
+            </a:r>
+            <a:r>
+              <a:rPr lang="en-US" dirty="0" err="1" smtClean="0"/>
+              <a:t>tên</a:t>
+            </a:r>
+            <a:r>
+              <a:rPr lang="en-US" dirty="0" smtClean="0"/>
+              <a:t> </a:t>
+            </a:r>
+            <a:r>
+              <a:rPr lang="en-US" dirty="0" err="1" smtClean="0"/>
+              <a:t>phương</a:t>
+            </a:r>
+            <a:r>
+              <a:rPr lang="en-US" dirty="0" smtClean="0"/>
+              <a:t> </a:t>
+            </a:r>
+            <a:r>
+              <a:rPr lang="en-US" dirty="0" err="1" smtClean="0"/>
+              <a:t>thức</a:t>
+            </a:r>
+            <a:r>
+              <a:rPr lang="en-US" dirty="0" smtClean="0"/>
+              <a:t>,  </a:t>
+            </a:r>
+            <a:r>
+              <a:rPr lang="en-US" dirty="0" err="1" smtClean="0"/>
+              <a:t>tên</a:t>
+            </a:r>
+            <a:r>
+              <a:rPr lang="en-US" dirty="0" smtClean="0"/>
+              <a:t> </a:t>
+            </a:r>
+            <a:r>
+              <a:rPr lang="en-US" dirty="0" err="1" smtClean="0"/>
+              <a:t>và</a:t>
+            </a:r>
+            <a:r>
+              <a:rPr lang="en-US" dirty="0" smtClean="0"/>
+              <a:t> </a:t>
+            </a:r>
+            <a:r>
+              <a:rPr lang="en-US" dirty="0" err="1" smtClean="0"/>
+              <a:t>kiểu</a:t>
+            </a:r>
+            <a:r>
+              <a:rPr lang="en-US" dirty="0" smtClean="0"/>
+              <a:t> </a:t>
+            </a:r>
+            <a:r>
+              <a:rPr lang="en-US" dirty="0" err="1" smtClean="0"/>
+              <a:t>của</a:t>
+            </a:r>
+            <a:r>
+              <a:rPr lang="en-US" dirty="0" smtClean="0"/>
+              <a:t> </a:t>
+            </a:r>
+            <a:r>
+              <a:rPr lang="en-US" dirty="0" err="1" smtClean="0"/>
+              <a:t>mỗi</a:t>
+            </a:r>
+            <a:r>
+              <a:rPr lang="en-US" dirty="0" smtClean="0"/>
+              <a:t> </a:t>
+            </a:r>
+            <a:r>
+              <a:rPr lang="en-US" dirty="0" err="1" smtClean="0"/>
+              <a:t>đối</a:t>
+            </a:r>
+            <a:r>
+              <a:rPr lang="en-US" dirty="0" smtClean="0"/>
+              <a:t> </a:t>
+            </a:r>
+            <a:r>
+              <a:rPr lang="en-US" dirty="0" err="1" smtClean="0"/>
+              <a:t>số</a:t>
+            </a:r>
+            <a:r>
+              <a:rPr lang="en-US" dirty="0" smtClean="0"/>
+              <a:t>, </a:t>
+            </a:r>
+            <a:r>
+              <a:rPr lang="en-US" dirty="0" err="1" smtClean="0"/>
+              <a:t>kiểu</a:t>
+            </a:r>
+            <a:r>
+              <a:rPr lang="en-US" dirty="0" smtClean="0"/>
+              <a:t> </a:t>
+            </a:r>
+            <a:r>
+              <a:rPr lang="en-US" dirty="0" err="1" smtClean="0"/>
+              <a:t>của</a:t>
+            </a:r>
+            <a:r>
+              <a:rPr lang="en-US" dirty="0" smtClean="0"/>
+              <a:t> </a:t>
+            </a:r>
+            <a:r>
+              <a:rPr lang="en-US" dirty="0" err="1" smtClean="0"/>
+              <a:t>giá</a:t>
+            </a:r>
+            <a:r>
+              <a:rPr lang="en-US" dirty="0" smtClean="0"/>
+              <a:t> </a:t>
+            </a:r>
+            <a:r>
+              <a:rPr lang="en-US" dirty="0" err="1" smtClean="0"/>
+              <a:t>trị</a:t>
+            </a:r>
+            <a:r>
+              <a:rPr lang="en-US" dirty="0" smtClean="0"/>
+              <a:t> </a:t>
+            </a:r>
+            <a:r>
+              <a:rPr lang="en-US" dirty="0" err="1" smtClean="0"/>
+              <a:t>trả</a:t>
+            </a:r>
+            <a:r>
+              <a:rPr lang="en-US" dirty="0" smtClean="0"/>
+              <a:t> </a:t>
+            </a:r>
+            <a:r>
+              <a:rPr lang="en-US" dirty="0" err="1" smtClean="0"/>
+              <a:t>về</a:t>
+            </a:r>
+            <a:r>
+              <a:rPr lang="en-US" dirty="0" smtClean="0"/>
+              <a:t>.</a:t>
             </a:r>
             <a:endParaRPr lang="en-US" b="1" dirty="0"/>
           </a:p>
@@ -28359,6 +28516,49 @@
                                           <p:spTgt spid="3">
                                             <p:txEl>
                                               <p:pRg st="2" end="2"/>
+                                            </p:txEl>
+                                          </p:spTgt>
+                                        </p:tgtEl>
+                                      </p:cBhvr>
+                                    </p:animEffect>
+                                  </p:childTnLst>
+                                </p:cTn>
+                              </p:par>
+                              <p:par>
+                                <p:cTn id="14" presetID="3" presetClass="entr" presetSubtype="10" fill="hold" nodeType="withEffect">
+                                  <p:stCondLst>
+                                    <p:cond delay="0"/>
+                                  </p:stCondLst>
+                                  <p:childTnLst>
+                                    <p:set>
+                                      <p:cBhvr>
+                                        <p:cTn id="15" dur="1" fill="hold">
+                                          <p:stCondLst>
+                                            <p:cond delay="0"/>
+                                          </p:stCondLst>
+                                        </p:cTn>
+                                        <p:tgtEl>
+                                          <p:spTgt spid="3">
+                                            <p:txEl>
+                                              <p:pRg st="3" end="3"/>
+                                            </p:txEl>
+                                          </p:spTgt>
+                                        </p:tgtEl>
+                                        <p:attrNameLst>
+                                          <p:attrName>style.visibility</p:attrName>
+                                        </p:attrNameLst>
+                                      </p:cBhvr>
+                                      <p:to>
+                                        <p:strVal val="visible"/>
+                                      </p:to>
+                                    </p:set>
+                                    <p:animEffect transition="in" filter="blinds(horizontal)">
+                                      <p:cBhvr>
+                                        <p:cTn id="16" dur="500"/>
+                                        <p:tgtEl>
+                                          <p:spTgt spid="3">
+                                            <p:txEl>
+                                              <p:pRg st="3" end="3"/>
                                             </p:txEl>
                                           </p:spTgt>
                                         </p:tgtEl>

--- a/Thủy Tiên - 0912463/Seminar/Topic #8b - Section 8 & 9 v3.pptx
+++ b/Thủy Tiên - 0912463/Seminar/Topic #8b - Section 8 & 9 v3.pptx
@@ -9370,7 +9370,7 @@
             <a:blip r:embed="rId2" cstate="print">
               <a:extLst>
                 <a:ext uri="{28A0092B-C50C-407E-A947-70E740481C1C}">
-                  <a14:useLocalDpi xmlns:a14="http://schemas.microsoft.com/office/drawing/2010/main" xmlns="" val="0"/>
+                  <a14:useLocalDpi xmlns="" xmlns:a14="http://schemas.microsoft.com/office/drawing/2010/main" val="0"/>
                 </a:ext>
               </a:extLst>
             </a:blip>
@@ -9456,7 +9456,7 @@
             <a:blip r:embed="rId3" cstate="print">
               <a:extLst>
                 <a:ext uri="{28A0092B-C50C-407E-A947-70E740481C1C}">
-                  <a14:useLocalDpi xmlns:a14="http://schemas.microsoft.com/office/drawing/2010/main" xmlns="" val="0"/>
+                  <a14:useLocalDpi xmlns="" xmlns:a14="http://schemas.microsoft.com/office/drawing/2010/main" val="0"/>
                 </a:ext>
               </a:extLst>
             </a:blip>
@@ -9541,7 +9541,7 @@
             <a:blip r:embed="rId4" cstate="print">
               <a:extLst>
                 <a:ext uri="{28A0092B-C50C-407E-A947-70E740481C1C}">
-                  <a14:useLocalDpi xmlns:a14="http://schemas.microsoft.com/office/drawing/2010/main" xmlns="" val="0"/>
+                  <a14:useLocalDpi xmlns="" xmlns:a14="http://schemas.microsoft.com/office/drawing/2010/main" val="0"/>
                 </a:ext>
               </a:extLst>
             </a:blip>
@@ -9626,7 +9626,7 @@
             <a:blip r:embed="rId5" cstate="print">
               <a:extLst>
                 <a:ext uri="{28A0092B-C50C-407E-A947-70E740481C1C}">
-                  <a14:useLocalDpi xmlns:a14="http://schemas.microsoft.com/office/drawing/2010/main" xmlns="" val="0"/>
+                  <a14:useLocalDpi xmlns="" xmlns:a14="http://schemas.microsoft.com/office/drawing/2010/main" val="0"/>
                 </a:ext>
               </a:extLst>
             </a:blip>
@@ -9711,7 +9711,7 @@
             <a:blip r:embed="rId6" cstate="print">
               <a:extLst>
                 <a:ext uri="{28A0092B-C50C-407E-A947-70E740481C1C}">
-                  <a14:useLocalDpi xmlns:a14="http://schemas.microsoft.com/office/drawing/2010/main" xmlns="" val="0"/>
+                  <a14:useLocalDpi xmlns="" xmlns:a14="http://schemas.microsoft.com/office/drawing/2010/main" val="0"/>
                 </a:ext>
               </a:extLst>
             </a:blip>
@@ -9797,7 +9797,7 @@
             <a:blip r:embed="rId7" cstate="print">
               <a:extLst>
                 <a:ext uri="{28A0092B-C50C-407E-A947-70E740481C1C}">
-                  <a14:useLocalDpi xmlns:a14="http://schemas.microsoft.com/office/drawing/2010/main" xmlns="" val="0"/>
+                  <a14:useLocalDpi xmlns="" xmlns:a14="http://schemas.microsoft.com/office/drawing/2010/main" val="0"/>
                 </a:ext>
               </a:extLst>
             </a:blip>
@@ -9882,7 +9882,7 @@
             <a:blip r:embed="rId8" cstate="print">
               <a:extLst>
                 <a:ext uri="{28A0092B-C50C-407E-A947-70E740481C1C}">
-                  <a14:useLocalDpi xmlns:a14="http://schemas.microsoft.com/office/drawing/2010/main" xmlns="" val="0"/>
+                  <a14:useLocalDpi xmlns="" xmlns:a14="http://schemas.microsoft.com/office/drawing/2010/main" val="0"/>
                 </a:ext>
               </a:extLst>
             </a:blip>
@@ -9968,7 +9968,7 @@
             <a:blip r:embed="rId9" cstate="print">
               <a:extLst>
                 <a:ext uri="{28A0092B-C50C-407E-A947-70E740481C1C}">
-                  <a14:useLocalDpi xmlns:a14="http://schemas.microsoft.com/office/drawing/2010/main" xmlns="" val="0"/>
+                  <a14:useLocalDpi xmlns="" xmlns:a14="http://schemas.microsoft.com/office/drawing/2010/main" val="0"/>
                 </a:ext>
               </a:extLst>
             </a:blip>
@@ -10054,7 +10054,7 @@
             <a:blip r:embed="rId10" cstate="print">
               <a:extLst>
                 <a:ext uri="{28A0092B-C50C-407E-A947-70E740481C1C}">
-                  <a14:useLocalDpi xmlns:a14="http://schemas.microsoft.com/office/drawing/2010/main" xmlns="" val="0"/>
+                  <a14:useLocalDpi xmlns="" xmlns:a14="http://schemas.microsoft.com/office/drawing/2010/main" val="0"/>
                 </a:ext>
               </a:extLst>
             </a:blip>
@@ -10650,14 +10650,14 @@
           <a:effectLst/>
           <a:extLst>
             <a:ext uri="{909E8E84-426E-40DD-AFC4-6F175D3DCCD1}">
-              <a14:hiddenFill xmlns="" xmlns:a14="http://schemas.microsoft.com/office/drawing/2010/main">
+              <a14:hiddenFill xmlns:a14="http://schemas.microsoft.com/office/drawing/2010/main" xmlns="">
                 <a:solidFill>
                   <a:srgbClr val="6FC5E3"/>
                 </a:solidFill>
               </a14:hiddenFill>
             </a:ext>
             <a:ext uri="{AF507438-7753-43E0-B8FC-AC1667EBCBE1}">
-              <a14:hiddenEffects xmlns="" xmlns:a14="http://schemas.microsoft.com/office/drawing/2010/main">
+              <a14:hiddenEffects xmlns:a14="http://schemas.microsoft.com/office/drawing/2010/main" xmlns="">
                 <a:effectLst>
                   <a:outerShdw dist="35921" dir="2700000" algn="ctr" rotWithShape="0">
                     <a:schemeClr val="bg2"/>
@@ -10714,7 +10714,7 @@
           <a:effectLst/>
           <a:extLst>
             <a:ext uri="{91240B29-F687-4F45-9708-019B960494DF}">
-              <a14:hiddenLine xmlns="" xmlns:a14="http://schemas.microsoft.com/office/drawing/2010/main" w="9525">
+              <a14:hiddenLine xmlns:a14="http://schemas.microsoft.com/office/drawing/2010/main" xmlns="" w="9525">
                 <a:solidFill>
                   <a:schemeClr val="tx1"/>
                 </a:solidFill>
@@ -10724,7 +10724,7 @@
               </a14:hiddenLine>
             </a:ext>
             <a:ext uri="{AF507438-7753-43E0-B8FC-AC1667EBCBE1}">
-              <a14:hiddenEffects xmlns="" xmlns:a14="http://schemas.microsoft.com/office/drawing/2010/main">
+              <a14:hiddenEffects xmlns:a14="http://schemas.microsoft.com/office/drawing/2010/main" xmlns="">
                 <a:effectLst>
                   <a:outerShdw dist="35921" dir="2700000" algn="ctr" rotWithShape="0">
                     <a:schemeClr val="bg2"/>
@@ -10769,7 +10769,7 @@
           <a:effectLst/>
           <a:extLst>
             <a:ext uri="{91240B29-F687-4F45-9708-019B960494DF}">
-              <a14:hiddenLine xmlns="" xmlns:a14="http://schemas.microsoft.com/office/drawing/2010/main" w="9525">
+              <a14:hiddenLine xmlns:a14="http://schemas.microsoft.com/office/drawing/2010/main" xmlns="" w="9525">
                 <a:solidFill>
                   <a:srgbClr val="000000"/>
                 </a:solidFill>
@@ -10779,7 +10779,7 @@
               </a14:hiddenLine>
             </a:ext>
             <a:ext uri="{AF507438-7753-43E0-B8FC-AC1667EBCBE1}">
-              <a14:hiddenEffects xmlns="" xmlns:a14="http://schemas.microsoft.com/office/drawing/2010/main">
+              <a14:hiddenEffects xmlns:a14="http://schemas.microsoft.com/office/drawing/2010/main" xmlns="">
                 <a:effectLst>
                   <a:outerShdw dist="35921" dir="2700000" algn="ctr" rotWithShape="0">
                     <a:schemeClr val="bg2"/>
@@ -10824,7 +10824,7 @@
           <a:effectLst/>
           <a:extLst>
             <a:ext uri="{91240B29-F687-4F45-9708-019B960494DF}">
-              <a14:hiddenLine xmlns="" xmlns:a14="http://schemas.microsoft.com/office/drawing/2010/main" w="9525">
+              <a14:hiddenLine xmlns:a14="http://schemas.microsoft.com/office/drawing/2010/main" xmlns="" w="9525">
                 <a:solidFill>
                   <a:srgbClr val="000000"/>
                 </a:solidFill>
@@ -10834,7 +10834,7 @@
               </a14:hiddenLine>
             </a:ext>
             <a:ext uri="{AF507438-7753-43E0-B8FC-AC1667EBCBE1}">
-              <a14:hiddenEffects xmlns="" xmlns:a14="http://schemas.microsoft.com/office/drawing/2010/main">
+              <a14:hiddenEffects xmlns:a14="http://schemas.microsoft.com/office/drawing/2010/main" xmlns="">
                 <a:effectLst>
                   <a:outerShdw dist="35921" dir="2700000" algn="ctr" rotWithShape="0">
                     <a:schemeClr val="bg2"/>
@@ -10875,14 +10875,14 @@
           <a:effectLst/>
           <a:extLst>
             <a:ext uri="{909E8E84-426E-40DD-AFC4-6F175D3DCCD1}">
-              <a14:hiddenFill xmlns="" xmlns:a14="http://schemas.microsoft.com/office/drawing/2010/main">
+              <a14:hiddenFill xmlns:a14="http://schemas.microsoft.com/office/drawing/2010/main" xmlns="">
                 <a:solidFill>
                   <a:schemeClr val="accent1"/>
                 </a:solidFill>
               </a14:hiddenFill>
             </a:ext>
             <a:ext uri="{91240B29-F687-4F45-9708-019B960494DF}">
-              <a14:hiddenLine xmlns="" xmlns:a14="http://schemas.microsoft.com/office/drawing/2010/main" w="9525" algn="ctr">
+              <a14:hiddenLine xmlns:a14="http://schemas.microsoft.com/office/drawing/2010/main" xmlns="" w="9525" algn="ctr">
                 <a:solidFill>
                   <a:schemeClr val="tx1"/>
                 </a:solidFill>
@@ -10892,7 +10892,7 @@
               </a14:hiddenLine>
             </a:ext>
             <a:ext uri="{AF507438-7753-43E0-B8FC-AC1667EBCBE1}">
-              <a14:hiddenEffects xmlns="" xmlns:a14="http://schemas.microsoft.com/office/drawing/2010/main">
+              <a14:hiddenEffects xmlns:a14="http://schemas.microsoft.com/office/drawing/2010/main" xmlns="">
                 <a:effectLst>
                   <a:outerShdw dist="35921" dir="2700000" algn="ctr" rotWithShape="0">
                     <a:schemeClr val="bg2"/>
@@ -10949,14 +10949,14 @@
           <a:effectLst/>
           <a:extLst>
             <a:ext uri="{909E8E84-426E-40DD-AFC4-6F175D3DCCD1}">
-              <a14:hiddenFill xmlns="" xmlns:a14="http://schemas.microsoft.com/office/drawing/2010/main">
+              <a14:hiddenFill xmlns:a14="http://schemas.microsoft.com/office/drawing/2010/main" xmlns="">
                 <a:solidFill>
                   <a:schemeClr val="accent1"/>
                 </a:solidFill>
               </a14:hiddenFill>
             </a:ext>
             <a:ext uri="{91240B29-F687-4F45-9708-019B960494DF}">
-              <a14:hiddenLine xmlns="" xmlns:a14="http://schemas.microsoft.com/office/drawing/2010/main" w="9525" algn="ctr">
+              <a14:hiddenLine xmlns:a14="http://schemas.microsoft.com/office/drawing/2010/main" xmlns="" w="9525" algn="ctr">
                 <a:solidFill>
                   <a:schemeClr val="tx1"/>
                 </a:solidFill>
@@ -10966,7 +10966,7 @@
               </a14:hiddenLine>
             </a:ext>
             <a:ext uri="{AF507438-7753-43E0-B8FC-AC1667EBCBE1}">
-              <a14:hiddenEffects xmlns="" xmlns:a14="http://schemas.microsoft.com/office/drawing/2010/main">
+              <a14:hiddenEffects xmlns:a14="http://schemas.microsoft.com/office/drawing/2010/main" xmlns="">
                 <a:effectLst>
                   <a:outerShdw dist="35921" dir="2700000" algn="ctr" rotWithShape="0">
                     <a:schemeClr val="bg2"/>
@@ -11031,14 +11031,14 @@
           <a:effectLst/>
           <a:extLst>
             <a:ext uri="{909E8E84-426E-40DD-AFC4-6F175D3DCCD1}">
-              <a14:hiddenFill xmlns="" xmlns:a14="http://schemas.microsoft.com/office/drawing/2010/main">
+              <a14:hiddenFill xmlns:a14="http://schemas.microsoft.com/office/drawing/2010/main" xmlns="">
                 <a:solidFill>
                   <a:srgbClr val="6FC5E3"/>
                 </a:solidFill>
               </a14:hiddenFill>
             </a:ext>
             <a:ext uri="{AF507438-7753-43E0-B8FC-AC1667EBCBE1}">
-              <a14:hiddenEffects xmlns="" xmlns:a14="http://schemas.microsoft.com/office/drawing/2010/main">
+              <a14:hiddenEffects xmlns:a14="http://schemas.microsoft.com/office/drawing/2010/main" xmlns="">
                 <a:effectLst>
                   <a:outerShdw dist="35921" dir="2700000" algn="ctr" rotWithShape="0">
                     <a:schemeClr val="bg2"/>
@@ -11095,7 +11095,7 @@
           <a:effectLst/>
           <a:extLst>
             <a:ext uri="{91240B29-F687-4F45-9708-019B960494DF}">
-              <a14:hiddenLine xmlns="" xmlns:a14="http://schemas.microsoft.com/office/drawing/2010/main" w="9525">
+              <a14:hiddenLine xmlns:a14="http://schemas.microsoft.com/office/drawing/2010/main" xmlns="" w="9525">
                 <a:solidFill>
                   <a:schemeClr val="tx1"/>
                 </a:solidFill>
@@ -11105,7 +11105,7 @@
               </a14:hiddenLine>
             </a:ext>
             <a:ext uri="{AF507438-7753-43E0-B8FC-AC1667EBCBE1}">
-              <a14:hiddenEffects xmlns="" xmlns:a14="http://schemas.microsoft.com/office/drawing/2010/main">
+              <a14:hiddenEffects xmlns:a14="http://schemas.microsoft.com/office/drawing/2010/main" xmlns="">
                 <a:effectLst>
                   <a:outerShdw dist="35921" dir="2700000" algn="ctr" rotWithShape="0">
                     <a:schemeClr val="bg2"/>
@@ -11150,7 +11150,7 @@
           <a:effectLst/>
           <a:extLst>
             <a:ext uri="{91240B29-F687-4F45-9708-019B960494DF}">
-              <a14:hiddenLine xmlns="" xmlns:a14="http://schemas.microsoft.com/office/drawing/2010/main" w="9525">
+              <a14:hiddenLine xmlns:a14="http://schemas.microsoft.com/office/drawing/2010/main" xmlns="" w="9525">
                 <a:solidFill>
                   <a:srgbClr val="000000"/>
                 </a:solidFill>
@@ -11160,7 +11160,7 @@
               </a14:hiddenLine>
             </a:ext>
             <a:ext uri="{AF507438-7753-43E0-B8FC-AC1667EBCBE1}">
-              <a14:hiddenEffects xmlns="" xmlns:a14="http://schemas.microsoft.com/office/drawing/2010/main">
+              <a14:hiddenEffects xmlns:a14="http://schemas.microsoft.com/office/drawing/2010/main" xmlns="">
                 <a:effectLst>
                   <a:outerShdw dist="35921" dir="2700000" algn="ctr" rotWithShape="0">
                     <a:schemeClr val="bg2"/>
@@ -11205,7 +11205,7 @@
           <a:effectLst/>
           <a:extLst>
             <a:ext uri="{91240B29-F687-4F45-9708-019B960494DF}">
-              <a14:hiddenLine xmlns="" xmlns:a14="http://schemas.microsoft.com/office/drawing/2010/main" w="9525">
+              <a14:hiddenLine xmlns:a14="http://schemas.microsoft.com/office/drawing/2010/main" xmlns="" w="9525">
                 <a:solidFill>
                   <a:srgbClr val="000000"/>
                 </a:solidFill>
@@ -11215,7 +11215,7 @@
               </a14:hiddenLine>
             </a:ext>
             <a:ext uri="{AF507438-7753-43E0-B8FC-AC1667EBCBE1}">
-              <a14:hiddenEffects xmlns="" xmlns:a14="http://schemas.microsoft.com/office/drawing/2010/main">
+              <a14:hiddenEffects xmlns:a14="http://schemas.microsoft.com/office/drawing/2010/main" xmlns="">
                 <a:effectLst>
                   <a:outerShdw dist="35921" dir="2700000" algn="ctr" rotWithShape="0">
                     <a:schemeClr val="bg2"/>
@@ -11256,14 +11256,14 @@
           <a:effectLst/>
           <a:extLst>
             <a:ext uri="{909E8E84-426E-40DD-AFC4-6F175D3DCCD1}">
-              <a14:hiddenFill xmlns="" xmlns:a14="http://schemas.microsoft.com/office/drawing/2010/main">
+              <a14:hiddenFill xmlns:a14="http://schemas.microsoft.com/office/drawing/2010/main" xmlns="">
                 <a:solidFill>
                   <a:schemeClr val="accent1"/>
                 </a:solidFill>
               </a14:hiddenFill>
             </a:ext>
             <a:ext uri="{91240B29-F687-4F45-9708-019B960494DF}">
-              <a14:hiddenLine xmlns="" xmlns:a14="http://schemas.microsoft.com/office/drawing/2010/main" w="9525" algn="ctr">
+              <a14:hiddenLine xmlns:a14="http://schemas.microsoft.com/office/drawing/2010/main" xmlns="" w="9525" algn="ctr">
                 <a:solidFill>
                   <a:schemeClr val="tx1"/>
                 </a:solidFill>
@@ -11273,7 +11273,7 @@
               </a14:hiddenLine>
             </a:ext>
             <a:ext uri="{AF507438-7753-43E0-B8FC-AC1667EBCBE1}">
-              <a14:hiddenEffects xmlns="" xmlns:a14="http://schemas.microsoft.com/office/drawing/2010/main">
+              <a14:hiddenEffects xmlns:a14="http://schemas.microsoft.com/office/drawing/2010/main" xmlns="">
                 <a:effectLst>
                   <a:outerShdw dist="35921" dir="2700000" algn="ctr" rotWithShape="0">
                     <a:schemeClr val="bg2"/>
@@ -11330,14 +11330,14 @@
           <a:effectLst/>
           <a:extLst>
             <a:ext uri="{909E8E84-426E-40DD-AFC4-6F175D3DCCD1}">
-              <a14:hiddenFill xmlns="" xmlns:a14="http://schemas.microsoft.com/office/drawing/2010/main">
+              <a14:hiddenFill xmlns:a14="http://schemas.microsoft.com/office/drawing/2010/main" xmlns="">
                 <a:solidFill>
                   <a:schemeClr val="accent1"/>
                 </a:solidFill>
               </a14:hiddenFill>
             </a:ext>
             <a:ext uri="{91240B29-F687-4F45-9708-019B960494DF}">
-              <a14:hiddenLine xmlns="" xmlns:a14="http://schemas.microsoft.com/office/drawing/2010/main" w="9525" algn="ctr">
+              <a14:hiddenLine xmlns:a14="http://schemas.microsoft.com/office/drawing/2010/main" xmlns="" w="9525" algn="ctr">
                 <a:solidFill>
                   <a:schemeClr val="tx1"/>
                 </a:solidFill>
@@ -11347,7 +11347,7 @@
               </a14:hiddenLine>
             </a:ext>
             <a:ext uri="{AF507438-7753-43E0-B8FC-AC1667EBCBE1}">
-              <a14:hiddenEffects xmlns="" xmlns:a14="http://schemas.microsoft.com/office/drawing/2010/main">
+              <a14:hiddenEffects xmlns:a14="http://schemas.microsoft.com/office/drawing/2010/main" xmlns="">
                 <a:effectLst>
                   <a:outerShdw dist="35921" dir="2700000" algn="ctr" rotWithShape="0">
                     <a:schemeClr val="bg2"/>
@@ -11435,14 +11435,14 @@
           <a:effectLst/>
           <a:extLst>
             <a:ext uri="{909E8E84-426E-40DD-AFC4-6F175D3DCCD1}">
-              <a14:hiddenFill xmlns="" xmlns:a14="http://schemas.microsoft.com/office/drawing/2010/main">
+              <a14:hiddenFill xmlns:a14="http://schemas.microsoft.com/office/drawing/2010/main" xmlns="">
                 <a:solidFill>
                   <a:schemeClr val="accent1"/>
                 </a:solidFill>
               </a14:hiddenFill>
             </a:ext>
             <a:ext uri="{91240B29-F687-4F45-9708-019B960494DF}">
-              <a14:hiddenLine xmlns="" xmlns:a14="http://schemas.microsoft.com/office/drawing/2010/main" w="9525" algn="ctr">
+              <a14:hiddenLine xmlns:a14="http://schemas.microsoft.com/office/drawing/2010/main" xmlns="" w="9525" algn="ctr">
                 <a:solidFill>
                   <a:schemeClr val="tx1"/>
                 </a:solidFill>
@@ -11452,7 +11452,7 @@
               </a14:hiddenLine>
             </a:ext>
             <a:ext uri="{AF507438-7753-43E0-B8FC-AC1667EBCBE1}">
-              <a14:hiddenEffects xmlns="" xmlns:a14="http://schemas.microsoft.com/office/drawing/2010/main">
+              <a14:hiddenEffects xmlns:a14="http://schemas.microsoft.com/office/drawing/2010/main" xmlns="">
                 <a:effectLst>
                   <a:outerShdw dist="35921" dir="2700000" algn="ctr" rotWithShape="0">
                     <a:schemeClr val="bg2"/>
@@ -11525,14 +11525,14 @@
           <a:effectLst/>
           <a:extLst>
             <a:ext uri="{909E8E84-426E-40DD-AFC4-6F175D3DCCD1}">
-              <a14:hiddenFill xmlns="" xmlns:a14="http://schemas.microsoft.com/office/drawing/2010/main">
+              <a14:hiddenFill xmlns:a14="http://schemas.microsoft.com/office/drawing/2010/main" xmlns="">
                 <a:solidFill>
                   <a:schemeClr val="accent1"/>
                 </a:solidFill>
               </a14:hiddenFill>
             </a:ext>
             <a:ext uri="{91240B29-F687-4F45-9708-019B960494DF}">
-              <a14:hiddenLine xmlns="" xmlns:a14="http://schemas.microsoft.com/office/drawing/2010/main" w="9525" algn="ctr">
+              <a14:hiddenLine xmlns:a14="http://schemas.microsoft.com/office/drawing/2010/main" xmlns="" w="9525" algn="ctr">
                 <a:solidFill>
                   <a:schemeClr val="tx1"/>
                 </a:solidFill>
@@ -11542,7 +11542,7 @@
               </a14:hiddenLine>
             </a:ext>
             <a:ext uri="{AF507438-7753-43E0-B8FC-AC1667EBCBE1}">
-              <a14:hiddenEffects xmlns="" xmlns:a14="http://schemas.microsoft.com/office/drawing/2010/main">
+              <a14:hiddenEffects xmlns:a14="http://schemas.microsoft.com/office/drawing/2010/main" xmlns="">
                 <a:effectLst>
                   <a:outerShdw dist="35921" dir="2700000" algn="ctr" rotWithShape="0">
                     <a:schemeClr val="bg2"/>
@@ -11600,14 +11600,14 @@
           <a:effectLst/>
           <a:extLst>
             <a:ext uri="{909E8E84-426E-40DD-AFC4-6F175D3DCCD1}">
-              <a14:hiddenFill xmlns="" xmlns:a14="http://schemas.microsoft.com/office/drawing/2010/main">
+              <a14:hiddenFill xmlns:a14="http://schemas.microsoft.com/office/drawing/2010/main" xmlns="">
                 <a:solidFill>
                   <a:schemeClr val="accent1"/>
                 </a:solidFill>
               </a14:hiddenFill>
             </a:ext>
             <a:ext uri="{91240B29-F687-4F45-9708-019B960494DF}">
-              <a14:hiddenLine xmlns="" xmlns:a14="http://schemas.microsoft.com/office/drawing/2010/main" w="9525" algn="ctr">
+              <a14:hiddenLine xmlns:a14="http://schemas.microsoft.com/office/drawing/2010/main" xmlns="" w="9525" algn="ctr">
                 <a:solidFill>
                   <a:schemeClr val="tx1"/>
                 </a:solidFill>
@@ -11617,7 +11617,7 @@
               </a14:hiddenLine>
             </a:ext>
             <a:ext uri="{AF507438-7753-43E0-B8FC-AC1667EBCBE1}">
-              <a14:hiddenEffects xmlns="" xmlns:a14="http://schemas.microsoft.com/office/drawing/2010/main">
+              <a14:hiddenEffects xmlns:a14="http://schemas.microsoft.com/office/drawing/2010/main" xmlns="">
                 <a:effectLst>
                   <a:outerShdw dist="35921" dir="2700000" algn="ctr" rotWithShape="0">
                     <a:schemeClr val="bg2"/>
@@ -11675,14 +11675,14 @@
           <a:effectLst/>
           <a:extLst>
             <a:ext uri="{909E8E84-426E-40DD-AFC4-6F175D3DCCD1}">
-              <a14:hiddenFill xmlns="" xmlns:a14="http://schemas.microsoft.com/office/drawing/2010/main">
+              <a14:hiddenFill xmlns:a14="http://schemas.microsoft.com/office/drawing/2010/main" xmlns="">
                 <a:solidFill>
                   <a:schemeClr val="accent1"/>
                 </a:solidFill>
               </a14:hiddenFill>
             </a:ext>
             <a:ext uri="{91240B29-F687-4F45-9708-019B960494DF}">
-              <a14:hiddenLine xmlns="" xmlns:a14="http://schemas.microsoft.com/office/drawing/2010/main" w="9525" algn="ctr">
+              <a14:hiddenLine xmlns:a14="http://schemas.microsoft.com/office/drawing/2010/main" xmlns="" w="9525" algn="ctr">
                 <a:solidFill>
                   <a:schemeClr val="tx1"/>
                 </a:solidFill>
@@ -11692,7 +11692,7 @@
               </a14:hiddenLine>
             </a:ext>
             <a:ext uri="{AF507438-7753-43E0-B8FC-AC1667EBCBE1}">
-              <a14:hiddenEffects xmlns="" xmlns:a14="http://schemas.microsoft.com/office/drawing/2010/main">
+              <a14:hiddenEffects xmlns:a14="http://schemas.microsoft.com/office/drawing/2010/main" xmlns="">
                 <a:effectLst>
                   <a:outerShdw dist="35921" dir="2700000" algn="ctr" rotWithShape="0">
                     <a:schemeClr val="bg2"/>
@@ -11749,14 +11749,14 @@
           <a:effectLst/>
           <a:extLst>
             <a:ext uri="{909E8E84-426E-40DD-AFC4-6F175D3DCCD1}">
-              <a14:hiddenFill xmlns="" xmlns:a14="http://schemas.microsoft.com/office/drawing/2010/main">
+              <a14:hiddenFill xmlns:a14="http://schemas.microsoft.com/office/drawing/2010/main" xmlns="">
                 <a:solidFill>
                   <a:schemeClr val="accent1"/>
                 </a:solidFill>
               </a14:hiddenFill>
             </a:ext>
             <a:ext uri="{91240B29-F687-4F45-9708-019B960494DF}">
-              <a14:hiddenLine xmlns="" xmlns:a14="http://schemas.microsoft.com/office/drawing/2010/main" w="9525" algn="ctr">
+              <a14:hiddenLine xmlns:a14="http://schemas.microsoft.com/office/drawing/2010/main" xmlns="" w="9525" algn="ctr">
                 <a:solidFill>
                   <a:schemeClr val="tx1"/>
                 </a:solidFill>
@@ -11766,7 +11766,7 @@
               </a14:hiddenLine>
             </a:ext>
             <a:ext uri="{AF507438-7753-43E0-B8FC-AC1667EBCBE1}">
-              <a14:hiddenEffects xmlns="" xmlns:a14="http://schemas.microsoft.com/office/drawing/2010/main">
+              <a14:hiddenEffects xmlns:a14="http://schemas.microsoft.com/office/drawing/2010/main" xmlns="">
                 <a:effectLst>
                   <a:outerShdw dist="35921" dir="2700000" algn="ctr" rotWithShape="0">
                     <a:schemeClr val="bg2"/>
@@ -11824,14 +11824,14 @@
           <a:effectLst/>
           <a:extLst>
             <a:ext uri="{909E8E84-426E-40DD-AFC4-6F175D3DCCD1}">
-              <a14:hiddenFill xmlns="" xmlns:a14="http://schemas.microsoft.com/office/drawing/2010/main">
+              <a14:hiddenFill xmlns:a14="http://schemas.microsoft.com/office/drawing/2010/main" xmlns="">
                 <a:solidFill>
                   <a:schemeClr val="accent1"/>
                 </a:solidFill>
               </a14:hiddenFill>
             </a:ext>
             <a:ext uri="{91240B29-F687-4F45-9708-019B960494DF}">
-              <a14:hiddenLine xmlns="" xmlns:a14="http://schemas.microsoft.com/office/drawing/2010/main" w="9525" algn="ctr">
+              <a14:hiddenLine xmlns:a14="http://schemas.microsoft.com/office/drawing/2010/main" xmlns="" w="9525" algn="ctr">
                 <a:solidFill>
                   <a:schemeClr val="tx1"/>
                 </a:solidFill>
@@ -11841,7 +11841,7 @@
               </a14:hiddenLine>
             </a:ext>
             <a:ext uri="{AF507438-7753-43E0-B8FC-AC1667EBCBE1}">
-              <a14:hiddenEffects xmlns="" xmlns:a14="http://schemas.microsoft.com/office/drawing/2010/main">
+              <a14:hiddenEffects xmlns:a14="http://schemas.microsoft.com/office/drawing/2010/main" xmlns="">
                 <a:effectLst>
                   <a:outerShdw dist="35921" dir="2700000" algn="ctr" rotWithShape="0">
                     <a:schemeClr val="bg2"/>
@@ -11899,14 +11899,14 @@
           <a:effectLst/>
           <a:extLst>
             <a:ext uri="{909E8E84-426E-40DD-AFC4-6F175D3DCCD1}">
-              <a14:hiddenFill xmlns="" xmlns:a14="http://schemas.microsoft.com/office/drawing/2010/main">
+              <a14:hiddenFill xmlns:a14="http://schemas.microsoft.com/office/drawing/2010/main" xmlns="">
                 <a:solidFill>
                   <a:schemeClr val="accent1"/>
                 </a:solidFill>
               </a14:hiddenFill>
             </a:ext>
             <a:ext uri="{91240B29-F687-4F45-9708-019B960494DF}">
-              <a14:hiddenLine xmlns="" xmlns:a14="http://schemas.microsoft.com/office/drawing/2010/main" w="9525" algn="ctr">
+              <a14:hiddenLine xmlns:a14="http://schemas.microsoft.com/office/drawing/2010/main" xmlns="" w="9525" algn="ctr">
                 <a:solidFill>
                   <a:schemeClr val="tx1"/>
                 </a:solidFill>
@@ -11916,7 +11916,7 @@
               </a14:hiddenLine>
             </a:ext>
             <a:ext uri="{AF507438-7753-43E0-B8FC-AC1667EBCBE1}">
-              <a14:hiddenEffects xmlns="" xmlns:a14="http://schemas.microsoft.com/office/drawing/2010/main">
+              <a14:hiddenEffects xmlns:a14="http://schemas.microsoft.com/office/drawing/2010/main" xmlns="">
                 <a:effectLst>
                   <a:outerShdw dist="35921" dir="2700000" algn="ctr" rotWithShape="0">
                     <a:schemeClr val="bg2"/>
@@ -12377,14 +12377,14 @@
           <a:effectLst/>
           <a:extLst>
             <a:ext uri="{909E8E84-426E-40DD-AFC4-6F175D3DCCD1}">
-              <a14:hiddenFill xmlns="" xmlns:a14="http://schemas.microsoft.com/office/drawing/2010/main">
+              <a14:hiddenFill xmlns:a14="http://schemas.microsoft.com/office/drawing/2010/main" xmlns="">
                 <a:solidFill>
                   <a:schemeClr val="accent1"/>
                 </a:solidFill>
               </a14:hiddenFill>
             </a:ext>
             <a:ext uri="{91240B29-F687-4F45-9708-019B960494DF}">
-              <a14:hiddenLine xmlns="" xmlns:a14="http://schemas.microsoft.com/office/drawing/2010/main" w="9525" algn="ctr">
+              <a14:hiddenLine xmlns:a14="http://schemas.microsoft.com/office/drawing/2010/main" xmlns="" w="9525" algn="ctr">
                 <a:solidFill>
                   <a:schemeClr val="tx1"/>
                 </a:solidFill>
@@ -12394,7 +12394,7 @@
               </a14:hiddenLine>
             </a:ext>
             <a:ext uri="{AF507438-7753-43E0-B8FC-AC1667EBCBE1}">
-              <a14:hiddenEffects xmlns="" xmlns:a14="http://schemas.microsoft.com/office/drawing/2010/main">
+              <a14:hiddenEffects xmlns:a14="http://schemas.microsoft.com/office/drawing/2010/main" xmlns="">
                 <a:effectLst>
                   <a:outerShdw dist="35921" dir="2700000" algn="ctr" rotWithShape="0">
                     <a:schemeClr val="bg2"/>
@@ -12452,14 +12452,14 @@
           <a:effectLst/>
           <a:extLst>
             <a:ext uri="{909E8E84-426E-40DD-AFC4-6F175D3DCCD1}">
-              <a14:hiddenFill xmlns="" xmlns:a14="http://schemas.microsoft.com/office/drawing/2010/main">
+              <a14:hiddenFill xmlns:a14="http://schemas.microsoft.com/office/drawing/2010/main" xmlns="">
                 <a:solidFill>
                   <a:schemeClr val="accent1"/>
                 </a:solidFill>
               </a14:hiddenFill>
             </a:ext>
             <a:ext uri="{91240B29-F687-4F45-9708-019B960494DF}">
-              <a14:hiddenLine xmlns="" xmlns:a14="http://schemas.microsoft.com/office/drawing/2010/main" w="9525" algn="ctr">
+              <a14:hiddenLine xmlns:a14="http://schemas.microsoft.com/office/drawing/2010/main" xmlns="" w="9525" algn="ctr">
                 <a:solidFill>
                   <a:schemeClr val="tx1"/>
                 </a:solidFill>
@@ -12469,7 +12469,7 @@
               </a14:hiddenLine>
             </a:ext>
             <a:ext uri="{AF507438-7753-43E0-B8FC-AC1667EBCBE1}">
-              <a14:hiddenEffects xmlns="" xmlns:a14="http://schemas.microsoft.com/office/drawing/2010/main">
+              <a14:hiddenEffects xmlns:a14="http://schemas.microsoft.com/office/drawing/2010/main" xmlns="">
                 <a:effectLst>
                   <a:outerShdw dist="35921" dir="2700000" algn="ctr" rotWithShape="0">
                     <a:schemeClr val="bg2"/>
@@ -17586,7 +17586,7 @@
             <a:blip r:embed="rId2" cstate="print">
               <a:extLst>
                 <a:ext uri="{28A0092B-C50C-407E-A947-70E740481C1C}">
-                  <a14:useLocalDpi xmlns:a14="http://schemas.microsoft.com/office/drawing/2010/main" xmlns="" val="0"/>
+                  <a14:useLocalDpi xmlns="" xmlns:a14="http://schemas.microsoft.com/office/drawing/2010/main" val="0"/>
                 </a:ext>
               </a:extLst>
             </a:blip>
@@ -18526,7 +18526,7 @@
             <a:blip r:embed="rId2" cstate="print">
               <a:extLst>
                 <a:ext uri="{28A0092B-C50C-407E-A947-70E740481C1C}">
-                  <a14:useLocalDpi xmlns:a14="http://schemas.microsoft.com/office/drawing/2010/main" xmlns="" val="0"/>
+                  <a14:useLocalDpi xmlns="" xmlns:a14="http://schemas.microsoft.com/office/drawing/2010/main" val="0"/>
                 </a:ext>
               </a:extLst>
             </a:blip>
@@ -18612,7 +18612,7 @@
             <a:blip r:embed="rId3" cstate="print">
               <a:extLst>
                 <a:ext uri="{28A0092B-C50C-407E-A947-70E740481C1C}">
-                  <a14:useLocalDpi xmlns:a14="http://schemas.microsoft.com/office/drawing/2010/main" xmlns="" val="0"/>
+                  <a14:useLocalDpi xmlns="" xmlns:a14="http://schemas.microsoft.com/office/drawing/2010/main" val="0"/>
                 </a:ext>
               </a:extLst>
             </a:blip>
@@ -18697,7 +18697,7 @@
             <a:blip r:embed="rId4" cstate="print">
               <a:extLst>
                 <a:ext uri="{28A0092B-C50C-407E-A947-70E740481C1C}">
-                  <a14:useLocalDpi xmlns:a14="http://schemas.microsoft.com/office/drawing/2010/main" xmlns="" val="0"/>
+                  <a14:useLocalDpi xmlns="" xmlns:a14="http://schemas.microsoft.com/office/drawing/2010/main" val="0"/>
                 </a:ext>
               </a:extLst>
             </a:blip>
@@ -18782,7 +18782,7 @@
             <a:blip r:embed="rId5" cstate="print">
               <a:extLst>
                 <a:ext uri="{28A0092B-C50C-407E-A947-70E740481C1C}">
-                  <a14:useLocalDpi xmlns:a14="http://schemas.microsoft.com/office/drawing/2010/main" xmlns="" val="0"/>
+                  <a14:useLocalDpi xmlns="" xmlns:a14="http://schemas.microsoft.com/office/drawing/2010/main" val="0"/>
                 </a:ext>
               </a:extLst>
             </a:blip>
@@ -18867,7 +18867,7 @@
             <a:blip r:embed="rId6" cstate="print">
               <a:extLst>
                 <a:ext uri="{28A0092B-C50C-407E-A947-70E740481C1C}">
-                  <a14:useLocalDpi xmlns:a14="http://schemas.microsoft.com/office/drawing/2010/main" xmlns="" val="0"/>
+                  <a14:useLocalDpi xmlns="" xmlns:a14="http://schemas.microsoft.com/office/drawing/2010/main" val="0"/>
                 </a:ext>
               </a:extLst>
             </a:blip>
@@ -18953,7 +18953,7 @@
             <a:blip r:embed="rId7" cstate="print">
               <a:extLst>
                 <a:ext uri="{28A0092B-C50C-407E-A947-70E740481C1C}">
-                  <a14:useLocalDpi xmlns:a14="http://schemas.microsoft.com/office/drawing/2010/main" xmlns="" val="0"/>
+                  <a14:useLocalDpi xmlns="" xmlns:a14="http://schemas.microsoft.com/office/drawing/2010/main" val="0"/>
                 </a:ext>
               </a:extLst>
             </a:blip>
@@ -19038,7 +19038,7 @@
             <a:blip r:embed="rId8" cstate="print">
               <a:extLst>
                 <a:ext uri="{28A0092B-C50C-407E-A947-70E740481C1C}">
-                  <a14:useLocalDpi xmlns:a14="http://schemas.microsoft.com/office/drawing/2010/main" xmlns="" val="0"/>
+                  <a14:useLocalDpi xmlns="" xmlns:a14="http://schemas.microsoft.com/office/drawing/2010/main" val="0"/>
                 </a:ext>
               </a:extLst>
             </a:blip>
@@ -19124,7 +19124,7 @@
             <a:blip r:embed="rId9" cstate="print">
               <a:extLst>
                 <a:ext uri="{28A0092B-C50C-407E-A947-70E740481C1C}">
-                  <a14:useLocalDpi xmlns:a14="http://schemas.microsoft.com/office/drawing/2010/main" xmlns="" val="0"/>
+                  <a14:useLocalDpi xmlns="" xmlns:a14="http://schemas.microsoft.com/office/drawing/2010/main" val="0"/>
                 </a:ext>
               </a:extLst>
             </a:blip>
@@ -19210,7 +19210,7 @@
             <a:blip r:embed="rId10" cstate="print">
               <a:extLst>
                 <a:ext uri="{28A0092B-C50C-407E-A947-70E740481C1C}">
-                  <a14:useLocalDpi xmlns:a14="http://schemas.microsoft.com/office/drawing/2010/main" xmlns="" val="0"/>
+                  <a14:useLocalDpi xmlns="" xmlns:a14="http://schemas.microsoft.com/office/drawing/2010/main" val="0"/>
                 </a:ext>
               </a:extLst>
             </a:blip>
@@ -22084,7 +22084,7 @@
             </a:r>
             <a:r>
               <a:rPr lang="en-US" b="1" dirty="0" err="1" smtClean="0"/>
-              <a:t>bở</a:t>
+              <a:t>bởi</a:t>
             </a:r>
             <a:r>
               <a:rPr lang="en-US" b="1" dirty="0" smtClean="0"/>
@@ -22396,7 +22396,7 @@
             <a:blip r:embed="rId3" cstate="print">
               <a:extLst>
                 <a:ext uri="{28A0092B-C50C-407E-A947-70E740481C1C}">
-                  <a14:useLocalDpi xmlns:a14="http://schemas.microsoft.com/office/drawing/2010/main" xmlns="" val="0"/>
+                  <a14:useLocalDpi xmlns="" xmlns:a14="http://schemas.microsoft.com/office/drawing/2010/main" val="0"/>
                 </a:ext>
               </a:extLst>
             </a:blip>
@@ -22466,7 +22466,7 @@
             <p:ph idx="1"/>
             <p:extLst>
               <p:ext uri="{D42A27DB-BD31-4B8C-83A1-F6EECF244321}">
-                <p14:modId xmlns="" xmlns:p14="http://schemas.microsoft.com/office/powerpoint/2010/main" val="1535184249"/>
+                <p14:modId xmlns:p14="http://schemas.microsoft.com/office/powerpoint/2010/main" xmlns="" val="1535184249"/>
               </p:ext>
             </p:extLst>
           </p:nvPr>
@@ -26825,11 +26825,7 @@
             </a:pPr>
             <a:r>
               <a:rPr lang="en-US" b="1" dirty="0" smtClean="0"/>
-              <a:t>	</a:t>
-            </a:r>
-            <a:r>
-              <a:rPr lang="en-US" b="1" dirty="0" smtClean="0"/>
-              <a:t>- </a:t>
+              <a:t>	- </a:t>
             </a:r>
             <a:r>
               <a:rPr lang="en-US" dirty="0" err="1" smtClean="0"/>
